--- a/CS 594 Data Visualization Midterm.pptx
+++ b/CS 594 Data Visualization Midterm.pptx
@@ -1077,20 +1077,20 @@
         <a:lstStyle/>
         <a:p>
           <a:r>
-            <a:rPr lang="en-US" b="0" i="0" dirty="0"/>
+            <a:rPr lang="en-US" b="0" i="0"/>
             <a:t>Extracting embeddings from the audio files using </a:t>
           </a:r>
           <a:r>
-            <a:rPr lang="en-US" b="0" i="0" dirty="0">
+            <a:rPr lang="en-US" b="0" i="0">
               <a:hlinkClick xmlns:r="http://schemas.openxmlformats.org/officeDocument/2006/relationships" r:id="rId1"/>
             </a:rPr>
             <a:t>OpenL3</a:t>
           </a:r>
           <a:r>
-            <a:rPr lang="en-US" b="0" i="0" dirty="0"/>
+            <a:rPr lang="en-US" b="0" i="0"/>
             <a:t>.</a:t>
           </a:r>
-          <a:endParaRPr lang="en-US" dirty="0"/>
+          <a:endParaRPr lang="en-US"/>
         </a:p>
       </dgm:t>
     </dgm:pt>
@@ -1124,10 +1124,10 @@
         <a:lstStyle/>
         <a:p>
           <a:r>
-            <a:rPr lang="en-US" b="0" i="0" dirty="0"/>
+            <a:rPr lang="en-US" b="0" i="0"/>
             <a:t>Train the fine-level model and produce predictions</a:t>
           </a:r>
-          <a:endParaRPr lang="en-US" dirty="0"/>
+          <a:endParaRPr lang="en-US"/>
         </a:p>
       </dgm:t>
     </dgm:pt>
@@ -1161,10 +1161,10 @@
         <a:lstStyle/>
         <a:p>
           <a:r>
-            <a:rPr lang="en-US" b="0" i="0" dirty="0"/>
+            <a:rPr lang="en-US" b="0" i="0"/>
             <a:t>Evaluate the fine-level model output file (using frame-averaged clip predictions) on AUPRC</a:t>
           </a:r>
-          <a:endParaRPr lang="en-US" dirty="0"/>
+          <a:endParaRPr lang="en-US"/>
         </a:p>
       </dgm:t>
     </dgm:pt>
@@ -1190,43 +1190,6 @@
         </a:p>
       </dgm:t>
     </dgm:pt>
-    <dgm:pt modelId="{A8A0FB5A-A696-40DD-B54F-DCE7B9941CDA}">
-      <dgm:prSet/>
-      <dgm:spPr/>
-      <dgm:t>
-        <a:bodyPr/>
-        <a:lstStyle/>
-        <a:p>
-          <a:r>
-            <a:rPr lang="en-US" b="0" i="0" dirty="0"/>
-            <a:t>Train the coarse-level model and produce predictions</a:t>
-          </a:r>
-          <a:endParaRPr lang="en-US" dirty="0"/>
-        </a:p>
-      </dgm:t>
-    </dgm:pt>
-    <dgm:pt modelId="{19534BED-8C4C-46A8-BDAF-99B3C25D446C}" type="parTrans" cxnId="{6DC9C3EF-A456-489A-8596-E01C39FA501D}">
-      <dgm:prSet/>
-      <dgm:spPr/>
-      <dgm:t>
-        <a:bodyPr/>
-        <a:lstStyle/>
-        <a:p>
-          <a:endParaRPr lang="en-US"/>
-        </a:p>
-      </dgm:t>
-    </dgm:pt>
-    <dgm:pt modelId="{F334EF67-94BE-4BDA-BCA4-DC3B08EE420B}" type="sibTrans" cxnId="{6DC9C3EF-A456-489A-8596-E01C39FA501D}">
-      <dgm:prSet/>
-      <dgm:spPr/>
-      <dgm:t>
-        <a:bodyPr/>
-        <a:lstStyle/>
-        <a:p>
-          <a:endParaRPr lang="en-US"/>
-        </a:p>
-      </dgm:t>
-    </dgm:pt>
     <dgm:pt modelId="{B9FBDE55-940F-44C0-93F8-429FDCB34508}">
       <dgm:prSet/>
       <dgm:spPr/>
@@ -1235,10 +1198,10 @@
         <a:lstStyle/>
         <a:p>
           <a:r>
-            <a:rPr lang="en-US" b="0" i="0" dirty="0"/>
+            <a:rPr lang="en-US" b="0" i="0"/>
             <a:t>Evaluate the coarse-level model output file (using frame-averaged clip predictions) on AUPRC</a:t>
           </a:r>
-          <a:endParaRPr lang="en-US" dirty="0"/>
+          <a:endParaRPr lang="en-US"/>
         </a:p>
       </dgm:t>
     </dgm:pt>
@@ -1254,6 +1217,115 @@
       </dgm:t>
     </dgm:pt>
     <dgm:pt modelId="{8BC93545-1C3E-4F02-83A5-1B2F970BEEB5}" type="sibTrans" cxnId="{9DB0D85A-D706-471E-ABDA-72E8C673C130}">
+      <dgm:prSet/>
+      <dgm:spPr/>
+      <dgm:t>
+        <a:bodyPr/>
+        <a:lstStyle/>
+        <a:p>
+          <a:endParaRPr lang="en-US"/>
+        </a:p>
+      </dgm:t>
+    </dgm:pt>
+    <dgm:pt modelId="{2C5B2A16-559A-4AD5-B706-5C05F1CABC21}">
+      <dgm:prSet/>
+      <dgm:spPr/>
+      <dgm:t>
+        <a:bodyPr/>
+        <a:lstStyle/>
+        <a:p>
+          <a:r>
+            <a:rPr lang="en-US" dirty="0"/>
+            <a:t>Analysis of mismatches between the predicted and truth values</a:t>
+          </a:r>
+        </a:p>
+      </dgm:t>
+    </dgm:pt>
+    <dgm:pt modelId="{C303F1DF-2A5C-452D-BF86-582F9E6B77CA}" type="sibTrans" cxnId="{1D45B43F-B48E-4984-8BC9-6E763083AB90}">
+      <dgm:prSet/>
+      <dgm:spPr/>
+      <dgm:t>
+        <a:bodyPr/>
+        <a:lstStyle/>
+        <a:p>
+          <a:endParaRPr lang="en-US"/>
+        </a:p>
+      </dgm:t>
+    </dgm:pt>
+    <dgm:pt modelId="{15C64FC1-2510-43A2-9F67-EF8FEA88BBE9}" type="parTrans" cxnId="{1D45B43F-B48E-4984-8BC9-6E763083AB90}">
+      <dgm:prSet/>
+      <dgm:spPr/>
+      <dgm:t>
+        <a:bodyPr/>
+        <a:lstStyle/>
+        <a:p>
+          <a:endParaRPr lang="en-US"/>
+        </a:p>
+      </dgm:t>
+    </dgm:pt>
+    <dgm:pt modelId="{C2B80062-3B81-406D-980B-4E858FAB5ECF}">
+      <dgm:prSet/>
+      <dgm:spPr/>
+      <dgm:t>
+        <a:bodyPr/>
+        <a:lstStyle/>
+        <a:p>
+          <a:r>
+            <a:rPr lang="en-US"/>
+            <a:t>Build a system to visualize the results </a:t>
+          </a:r>
+        </a:p>
+      </dgm:t>
+    </dgm:pt>
+    <dgm:pt modelId="{2AB157B6-F5AD-486B-AC6D-CBD22AB9C665}" type="parTrans" cxnId="{5464CB1E-A787-4F95-8930-37AC56D60E4A}">
+      <dgm:prSet/>
+      <dgm:spPr/>
+      <dgm:t>
+        <a:bodyPr/>
+        <a:lstStyle/>
+        <a:p>
+          <a:endParaRPr lang="en-US"/>
+        </a:p>
+      </dgm:t>
+    </dgm:pt>
+    <dgm:pt modelId="{0E934A80-47F1-42A3-8B6B-1B1ED6F76671}" type="sibTrans" cxnId="{5464CB1E-A787-4F95-8930-37AC56D60E4A}">
+      <dgm:prSet/>
+      <dgm:spPr/>
+      <dgm:t>
+        <a:bodyPr/>
+        <a:lstStyle/>
+        <a:p>
+          <a:endParaRPr lang="en-US"/>
+        </a:p>
+      </dgm:t>
+    </dgm:pt>
+    <dgm:pt modelId="{AA70C04C-7C0D-406B-949A-E659F1634380}">
+      <dgm:prSet/>
+      <dgm:spPr/>
+      <dgm:t>
+        <a:bodyPr/>
+        <a:lstStyle/>
+        <a:p>
+          <a:r>
+            <a:rPr lang="en-US" b="0" i="0"/>
+            <a:t>Train the coarse-level model and produce predictions</a:t>
+          </a:r>
+          <a:endParaRPr lang="en-US"/>
+        </a:p>
+      </dgm:t>
+    </dgm:pt>
+    <dgm:pt modelId="{24DEBDB4-45E7-4432-A10B-AA82B48AE883}" type="parTrans" cxnId="{218C6FE3-722F-430B-9ADD-417C1DA15238}">
+      <dgm:prSet/>
+      <dgm:spPr/>
+      <dgm:t>
+        <a:bodyPr/>
+        <a:lstStyle/>
+        <a:p>
+          <a:endParaRPr lang="en-US"/>
+        </a:p>
+      </dgm:t>
+    </dgm:pt>
+    <dgm:pt modelId="{634290B2-EE5A-488D-A35C-A9651C08CFF1}" type="sibTrans" cxnId="{218C6FE3-722F-430B-9ADD-417C1DA15238}">
       <dgm:prSet/>
       <dgm:spPr/>
       <dgm:t>
@@ -1287,11 +1359,11 @@
       <dgm:spPr/>
     </dgm:pt>
     <dgm:pt modelId="{8D6F11F9-89A9-4363-83E1-A829AE3AA3E1}" type="pres">
-      <dgm:prSet presAssocID="{30E38A0F-74CF-471B-BC86-2D832867135E}" presName="iconBgRect" presStyleLbl="bgShp" presStyleIdx="0" presStyleCnt="5"/>
+      <dgm:prSet presAssocID="{30E38A0F-74CF-471B-BC86-2D832867135E}" presName="iconBgRect" presStyleLbl="bgShp" presStyleIdx="0" presStyleCnt="7"/>
       <dgm:spPr/>
     </dgm:pt>
     <dgm:pt modelId="{FF9C0C32-C0FA-4D60-8125-217DBD424074}" type="pres">
-      <dgm:prSet presAssocID="{30E38A0F-74CF-471B-BC86-2D832867135E}" presName="iconRect" presStyleLbl="node1" presStyleIdx="0" presStyleCnt="5"/>
+      <dgm:prSet presAssocID="{30E38A0F-74CF-471B-BC86-2D832867135E}" presName="iconRect" presStyleLbl="node1" presStyleIdx="0" presStyleCnt="7"/>
       <dgm:spPr>
         <a:blipFill>
           <a:blip xmlns:r="http://schemas.openxmlformats.org/officeDocument/2006/relationships" r:embed="rId2">
@@ -1323,7 +1395,7 @@
       <dgm:spPr/>
     </dgm:pt>
     <dgm:pt modelId="{BA94FFD6-752A-44DC-B96C-D39CFE1E25A6}" type="pres">
-      <dgm:prSet presAssocID="{30E38A0F-74CF-471B-BC86-2D832867135E}" presName="textRect" presStyleLbl="revTx" presStyleIdx="0" presStyleCnt="5">
+      <dgm:prSet presAssocID="{30E38A0F-74CF-471B-BC86-2D832867135E}" presName="textRect" presStyleLbl="revTx" presStyleIdx="0" presStyleCnt="7">
         <dgm:presLayoutVars>
           <dgm:chMax val="1"/>
           <dgm:chPref val="1"/>
@@ -1340,11 +1412,11 @@
       <dgm:spPr/>
     </dgm:pt>
     <dgm:pt modelId="{5337C43D-84ED-45BA-9150-9CF293C708B2}" type="pres">
-      <dgm:prSet presAssocID="{D95E7BBA-65AF-46AE-B5C5-27A3060DA9A1}" presName="iconBgRect" presStyleLbl="bgShp" presStyleIdx="1" presStyleCnt="5"/>
+      <dgm:prSet presAssocID="{D95E7BBA-65AF-46AE-B5C5-27A3060DA9A1}" presName="iconBgRect" presStyleLbl="bgShp" presStyleIdx="1" presStyleCnt="7"/>
       <dgm:spPr/>
     </dgm:pt>
     <dgm:pt modelId="{8568AD26-7EC1-43E4-B70D-901CE9102A58}" type="pres">
-      <dgm:prSet presAssocID="{D95E7BBA-65AF-46AE-B5C5-27A3060DA9A1}" presName="iconRect" presStyleLbl="node1" presStyleIdx="1" presStyleCnt="5"/>
+      <dgm:prSet presAssocID="{D95E7BBA-65AF-46AE-B5C5-27A3060DA9A1}" presName="iconRect" presStyleLbl="node1" presStyleIdx="1" presStyleCnt="7"/>
       <dgm:spPr>
         <a:blipFill>
           <a:blip xmlns:r="http://schemas.openxmlformats.org/officeDocument/2006/relationships" r:embed="rId4">
@@ -1376,7 +1448,7 @@
       <dgm:spPr/>
     </dgm:pt>
     <dgm:pt modelId="{2A85EF21-38B5-4574-B62F-1091FF435312}" type="pres">
-      <dgm:prSet presAssocID="{D95E7BBA-65AF-46AE-B5C5-27A3060DA9A1}" presName="textRect" presStyleLbl="revTx" presStyleIdx="1" presStyleCnt="5">
+      <dgm:prSet presAssocID="{D95E7BBA-65AF-46AE-B5C5-27A3060DA9A1}" presName="textRect" presStyleLbl="revTx" presStyleIdx="1" presStyleCnt="7">
         <dgm:presLayoutVars>
           <dgm:chMax val="1"/>
           <dgm:chPref val="1"/>
@@ -1388,25 +1460,76 @@
       <dgm:prSet presAssocID="{7E2449E5-A319-4A29-9C20-6CADAB368952}" presName="sibTrans" presStyleLbl="sibTrans2D1" presStyleIdx="0" presStyleCnt="0"/>
       <dgm:spPr/>
     </dgm:pt>
+    <dgm:pt modelId="{0853E669-03A6-4DFA-B644-0FB645E7E343}" type="pres">
+      <dgm:prSet presAssocID="{AA70C04C-7C0D-406B-949A-E659F1634380}" presName="compNode" presStyleCnt="0"/>
+      <dgm:spPr/>
+    </dgm:pt>
+    <dgm:pt modelId="{F393503D-4018-484F-BAB0-F32E181D38BC}" type="pres">
+      <dgm:prSet presAssocID="{AA70C04C-7C0D-406B-949A-E659F1634380}" presName="iconBgRect" presStyleLbl="bgShp" presStyleIdx="2" presStyleCnt="7"/>
+      <dgm:spPr/>
+    </dgm:pt>
+    <dgm:pt modelId="{46BB0E22-F250-4F30-8C3C-47EBC0825B12}" type="pres">
+      <dgm:prSet presAssocID="{AA70C04C-7C0D-406B-949A-E659F1634380}" presName="iconRect" presStyleLbl="node1" presStyleIdx="2" presStyleCnt="7"/>
+      <dgm:spPr>
+        <a:blipFill>
+          <a:blip xmlns:r="http://schemas.openxmlformats.org/officeDocument/2006/relationships" r:embed="rId6">
+            <a:extLst>
+              <a:ext uri="{96DAC541-7B7A-43D3-8B79-37D633B846F1}">
+                <asvg:svgBlip xmlns:asvg="http://schemas.microsoft.com/office/drawing/2016/SVG/main" r:embed="rId7"/>
+              </a:ext>
+            </a:extLst>
+          </a:blip>
+          <a:srcRect/>
+          <a:stretch>
+            <a:fillRect/>
+          </a:stretch>
+        </a:blipFill>
+        <a:ln>
+          <a:noFill/>
+        </a:ln>
+      </dgm:spPr>
+      <dgm:extLst>
+        <a:ext uri="{E40237B7-FDA0-4F09-8148-C483321AD2D9}">
+          <dgm14:cNvPr xmlns:dgm14="http://schemas.microsoft.com/office/drawing/2010/diagram" id="0" name="" descr="Train with solid fill"/>
+        </a:ext>
+      </dgm:extLst>
+    </dgm:pt>
+    <dgm:pt modelId="{59BDE8DC-75C0-4AF0-AB8C-9E52B4C03506}" type="pres">
+      <dgm:prSet presAssocID="{AA70C04C-7C0D-406B-949A-E659F1634380}" presName="spaceRect" presStyleCnt="0"/>
+      <dgm:spPr/>
+    </dgm:pt>
+    <dgm:pt modelId="{57F1022A-D156-4375-9614-B80B5ACB8DA4}" type="pres">
+      <dgm:prSet presAssocID="{AA70C04C-7C0D-406B-949A-E659F1634380}" presName="textRect" presStyleLbl="revTx" presStyleIdx="2" presStyleCnt="7">
+        <dgm:presLayoutVars>
+          <dgm:chMax val="1"/>
+          <dgm:chPref val="1"/>
+        </dgm:presLayoutVars>
+      </dgm:prSet>
+      <dgm:spPr/>
+    </dgm:pt>
+    <dgm:pt modelId="{DFD93B0F-0A3C-4E97-ABAA-AA536747FB8E}" type="pres">
+      <dgm:prSet presAssocID="{634290B2-EE5A-488D-A35C-A9651C08CFF1}" presName="sibTrans" presStyleLbl="sibTrans2D1" presStyleIdx="0" presStyleCnt="0"/>
+      <dgm:spPr/>
+    </dgm:pt>
     <dgm:pt modelId="{DC8DDCB6-AEEB-416C-ACFC-87A6B0E6C2D2}" type="pres">
       <dgm:prSet presAssocID="{8D70E6E0-4035-4478-A1AD-0D1F0C8B87EB}" presName="compNode" presStyleCnt="0"/>
       <dgm:spPr/>
     </dgm:pt>
     <dgm:pt modelId="{E1329C41-78B8-4463-9E18-41CA6C411943}" type="pres">
-      <dgm:prSet presAssocID="{8D70E6E0-4035-4478-A1AD-0D1F0C8B87EB}" presName="iconBgRect" presStyleLbl="bgShp" presStyleIdx="2" presStyleCnt="5"/>
+      <dgm:prSet presAssocID="{8D70E6E0-4035-4478-A1AD-0D1F0C8B87EB}" presName="iconBgRect" presStyleLbl="bgShp" presStyleIdx="3" presStyleCnt="7"/>
       <dgm:spPr/>
     </dgm:pt>
     <dgm:pt modelId="{2E147FE0-57BC-4257-96BC-1E1E7151F9A9}" type="pres">
-      <dgm:prSet presAssocID="{8D70E6E0-4035-4478-A1AD-0D1F0C8B87EB}" presName="iconRect" presStyleLbl="node1" presStyleIdx="2" presStyleCnt="5"/>
+      <dgm:prSet presAssocID="{8D70E6E0-4035-4478-A1AD-0D1F0C8B87EB}" presName="iconRect" presStyleLbl="node1" presStyleIdx="3" presStyleCnt="7"/>
       <dgm:spPr>
         <a:blipFill>
-          <a:blip xmlns:r="http://schemas.openxmlformats.org/officeDocument/2006/relationships" r:embed="rId6">
+          <a:blip xmlns:r="http://schemas.openxmlformats.org/officeDocument/2006/relationships" r:embed="rId8">
             <a:extLst>
               <a:ext uri="{28A0092B-C50C-407E-A947-70E740481C1C}">
                 <a14:useLocalDpi xmlns:a14="http://schemas.microsoft.com/office/drawing/2010/main" val="0"/>
               </a:ext>
               <a:ext uri="{96DAC541-7B7A-43D3-8B79-37D633B846F1}">
-                <asvg:svgBlip xmlns:asvg="http://schemas.microsoft.com/office/drawing/2016/SVG/main" r:embed="rId7"/>
+                <asvg:svgBlip xmlns:asvg="http://schemas.microsoft.com/office/drawing/2016/SVG/main" r:embed="rId9"/>
               </a:ext>
             </a:extLst>
           </a:blip>
@@ -1429,7 +1552,7 @@
       <dgm:spPr/>
     </dgm:pt>
     <dgm:pt modelId="{0E584416-C31C-41AC-8BA4-48E487F858CA}" type="pres">
-      <dgm:prSet presAssocID="{8D70E6E0-4035-4478-A1AD-0D1F0C8B87EB}" presName="textRect" presStyleLbl="revTx" presStyleIdx="2" presStyleCnt="5">
+      <dgm:prSet presAssocID="{8D70E6E0-4035-4478-A1AD-0D1F0C8B87EB}" presName="textRect" presStyleLbl="revTx" presStyleIdx="3" presStyleCnt="7">
         <dgm:presLayoutVars>
           <dgm:chMax val="1"/>
           <dgm:chPref val="1"/>
@@ -1441,69 +1564,16 @@
       <dgm:prSet presAssocID="{7F727046-C43A-443B-8F57-E6395BDFBCC5}" presName="sibTrans" presStyleLbl="sibTrans2D1" presStyleIdx="0" presStyleCnt="0"/>
       <dgm:spPr/>
     </dgm:pt>
-    <dgm:pt modelId="{479ED212-4CC2-4D71-B7BC-0F9530CEB8F0}" type="pres">
-      <dgm:prSet presAssocID="{A8A0FB5A-A696-40DD-B54F-DCE7B9941CDA}" presName="compNode" presStyleCnt="0"/>
-      <dgm:spPr/>
-    </dgm:pt>
-    <dgm:pt modelId="{D4DC0D0D-D49E-45EA-A79C-AEBABEAE001D}" type="pres">
-      <dgm:prSet presAssocID="{A8A0FB5A-A696-40DD-B54F-DCE7B9941CDA}" presName="iconBgRect" presStyleLbl="bgShp" presStyleIdx="3" presStyleCnt="5"/>
-      <dgm:spPr/>
-    </dgm:pt>
-    <dgm:pt modelId="{14A3EC65-86D5-4775-BD21-9F5F03A49B4A}" type="pres">
-      <dgm:prSet presAssocID="{A8A0FB5A-A696-40DD-B54F-DCE7B9941CDA}" presName="iconRect" presStyleLbl="node1" presStyleIdx="3" presStyleCnt="5"/>
-      <dgm:spPr>
-        <a:blipFill>
-          <a:blip xmlns:r="http://schemas.openxmlformats.org/officeDocument/2006/relationships" r:embed="rId8">
-            <a:extLst>
-              <a:ext uri="{28A0092B-C50C-407E-A947-70E740481C1C}">
-                <a14:useLocalDpi xmlns:a14="http://schemas.microsoft.com/office/drawing/2010/main" val="0"/>
-              </a:ext>
-              <a:ext uri="{96DAC541-7B7A-43D3-8B79-37D633B846F1}">
-                <asvg:svgBlip xmlns:asvg="http://schemas.microsoft.com/office/drawing/2016/SVG/main" r:embed="rId9"/>
-              </a:ext>
-            </a:extLst>
-          </a:blip>
-          <a:stretch>
-            <a:fillRect/>
-          </a:stretch>
-        </a:blipFill>
-        <a:ln>
-          <a:noFill/>
-        </a:ln>
-      </dgm:spPr>
-      <dgm:extLst>
-        <a:ext uri="{E40237B7-FDA0-4F09-8148-C483321AD2D9}">
-          <dgm14:cNvPr xmlns:dgm14="http://schemas.microsoft.com/office/drawing/2010/diagram" id="0" name="" descr="Excavator"/>
-        </a:ext>
-      </dgm:extLst>
-    </dgm:pt>
-    <dgm:pt modelId="{493EF04C-4EA4-4E6F-A196-37AB0987321B}" type="pres">
-      <dgm:prSet presAssocID="{A8A0FB5A-A696-40DD-B54F-DCE7B9941CDA}" presName="spaceRect" presStyleCnt="0"/>
-      <dgm:spPr/>
-    </dgm:pt>
-    <dgm:pt modelId="{4FFA57A8-14BF-470A-9136-8E1F4E18FDF8}" type="pres">
-      <dgm:prSet presAssocID="{A8A0FB5A-A696-40DD-B54F-DCE7B9941CDA}" presName="textRect" presStyleLbl="revTx" presStyleIdx="3" presStyleCnt="5">
-        <dgm:presLayoutVars>
-          <dgm:chMax val="1"/>
-          <dgm:chPref val="1"/>
-        </dgm:presLayoutVars>
-      </dgm:prSet>
-      <dgm:spPr/>
-    </dgm:pt>
-    <dgm:pt modelId="{F91E0C8F-E007-4A24-944A-5D07CC4E3EE0}" type="pres">
-      <dgm:prSet presAssocID="{F334EF67-94BE-4BDA-BCA4-DC3B08EE420B}" presName="sibTrans" presStyleLbl="sibTrans2D1" presStyleIdx="0" presStyleCnt="0"/>
-      <dgm:spPr/>
-    </dgm:pt>
     <dgm:pt modelId="{881AE8DA-07E4-46DC-A6CD-DD175E0BD0B4}" type="pres">
       <dgm:prSet presAssocID="{B9FBDE55-940F-44C0-93F8-429FDCB34508}" presName="compNode" presStyleCnt="0"/>
       <dgm:spPr/>
     </dgm:pt>
     <dgm:pt modelId="{E366B05F-46A5-4AC6-A4EF-C5D801F116AB}" type="pres">
-      <dgm:prSet presAssocID="{B9FBDE55-940F-44C0-93F8-429FDCB34508}" presName="iconBgRect" presStyleLbl="bgShp" presStyleIdx="4" presStyleCnt="5"/>
+      <dgm:prSet presAssocID="{B9FBDE55-940F-44C0-93F8-429FDCB34508}" presName="iconBgRect" presStyleLbl="bgShp" presStyleIdx="4" presStyleCnt="7"/>
       <dgm:spPr/>
     </dgm:pt>
     <dgm:pt modelId="{A4EEFD79-1396-4160-BAEB-8DF14FA588A7}" type="pres">
-      <dgm:prSet presAssocID="{B9FBDE55-940F-44C0-93F8-429FDCB34508}" presName="iconRect" presStyleLbl="node1" presStyleIdx="4" presStyleCnt="5"/>
+      <dgm:prSet presAssocID="{B9FBDE55-940F-44C0-93F8-429FDCB34508}" presName="iconRect" presStyleLbl="node1" presStyleIdx="4" presStyleCnt="7"/>
       <dgm:spPr>
         <a:blipFill>
           <a:blip xmlns:r="http://schemas.openxmlformats.org/officeDocument/2006/relationships" r:embed="rId10">
@@ -1535,7 +1605,115 @@
       <dgm:spPr/>
     </dgm:pt>
     <dgm:pt modelId="{B7D26B08-7AF9-4BD1-A108-38B2319EE2CB}" type="pres">
-      <dgm:prSet presAssocID="{B9FBDE55-940F-44C0-93F8-429FDCB34508}" presName="textRect" presStyleLbl="revTx" presStyleIdx="4" presStyleCnt="5">
+      <dgm:prSet presAssocID="{B9FBDE55-940F-44C0-93F8-429FDCB34508}" presName="textRect" presStyleLbl="revTx" presStyleIdx="4" presStyleCnt="7">
+        <dgm:presLayoutVars>
+          <dgm:chMax val="1"/>
+          <dgm:chPref val="1"/>
+        </dgm:presLayoutVars>
+      </dgm:prSet>
+      <dgm:spPr/>
+    </dgm:pt>
+    <dgm:pt modelId="{0C826062-5E12-4FF3-B45B-2440E06190A4}" type="pres">
+      <dgm:prSet presAssocID="{8BC93545-1C3E-4F02-83A5-1B2F970BEEB5}" presName="sibTrans" presStyleLbl="sibTrans2D1" presStyleIdx="0" presStyleCnt="0"/>
+      <dgm:spPr/>
+    </dgm:pt>
+    <dgm:pt modelId="{BE7CF508-C329-4D82-8124-002F71F5392D}" type="pres">
+      <dgm:prSet presAssocID="{2C5B2A16-559A-4AD5-B706-5C05F1CABC21}" presName="compNode" presStyleCnt="0"/>
+      <dgm:spPr/>
+    </dgm:pt>
+    <dgm:pt modelId="{76232A6D-A711-4F57-AD01-0AF2308F298E}" type="pres">
+      <dgm:prSet presAssocID="{2C5B2A16-559A-4AD5-B706-5C05F1CABC21}" presName="iconBgRect" presStyleLbl="bgShp" presStyleIdx="5" presStyleCnt="7"/>
+      <dgm:spPr/>
+    </dgm:pt>
+    <dgm:pt modelId="{D007B3BF-7B19-4551-8075-626CD629B805}" type="pres">
+      <dgm:prSet presAssocID="{2C5B2A16-559A-4AD5-B706-5C05F1CABC21}" presName="iconRect" presStyleLbl="node1" presStyleIdx="5" presStyleCnt="7"/>
+      <dgm:spPr>
+        <a:blipFill>
+          <a:blip xmlns:r="http://schemas.openxmlformats.org/officeDocument/2006/relationships" r:embed="rId12">
+            <a:extLst>
+              <a:ext uri="{28A0092B-C50C-407E-A947-70E740481C1C}">
+                <a14:useLocalDpi xmlns:a14="http://schemas.microsoft.com/office/drawing/2010/main" val="0"/>
+              </a:ext>
+              <a:ext uri="{96DAC541-7B7A-43D3-8B79-37D633B846F1}">
+                <asvg:svgBlip xmlns:asvg="http://schemas.microsoft.com/office/drawing/2016/SVG/main" r:embed="rId13"/>
+              </a:ext>
+            </a:extLst>
+          </a:blip>
+          <a:srcRect/>
+          <a:stretch>
+            <a:fillRect/>
+          </a:stretch>
+        </a:blipFill>
+        <a:ln>
+          <a:noFill/>
+        </a:ln>
+      </dgm:spPr>
+      <dgm:extLst>
+        <a:ext uri="{E40237B7-FDA0-4F09-8148-C483321AD2D9}">
+          <dgm14:cNvPr xmlns:dgm14="http://schemas.microsoft.com/office/drawing/2010/diagram" id="0" name="" descr="Statistics outline"/>
+        </a:ext>
+      </dgm:extLst>
+    </dgm:pt>
+    <dgm:pt modelId="{D15381F5-6F88-40ED-B572-96A9EDD6398D}" type="pres">
+      <dgm:prSet presAssocID="{2C5B2A16-559A-4AD5-B706-5C05F1CABC21}" presName="spaceRect" presStyleCnt="0"/>
+      <dgm:spPr/>
+    </dgm:pt>
+    <dgm:pt modelId="{FB66B53C-294D-440A-AD09-23641C11ED84}" type="pres">
+      <dgm:prSet presAssocID="{2C5B2A16-559A-4AD5-B706-5C05F1CABC21}" presName="textRect" presStyleLbl="revTx" presStyleIdx="5" presStyleCnt="7">
+        <dgm:presLayoutVars>
+          <dgm:chMax val="1"/>
+          <dgm:chPref val="1"/>
+        </dgm:presLayoutVars>
+      </dgm:prSet>
+      <dgm:spPr/>
+    </dgm:pt>
+    <dgm:pt modelId="{52BE0A37-D5FB-45D3-B163-854307A3C41D}" type="pres">
+      <dgm:prSet presAssocID="{C303F1DF-2A5C-452D-BF86-582F9E6B77CA}" presName="sibTrans" presStyleLbl="sibTrans2D1" presStyleIdx="0" presStyleCnt="0"/>
+      <dgm:spPr/>
+    </dgm:pt>
+    <dgm:pt modelId="{1B808952-317C-4368-BC7B-36CCA42A3B85}" type="pres">
+      <dgm:prSet presAssocID="{C2B80062-3B81-406D-980B-4E858FAB5ECF}" presName="compNode" presStyleCnt="0"/>
+      <dgm:spPr/>
+    </dgm:pt>
+    <dgm:pt modelId="{9DD53166-C5EF-4A06-83D0-6773F3EF181D}" type="pres">
+      <dgm:prSet presAssocID="{C2B80062-3B81-406D-980B-4E858FAB5ECF}" presName="iconBgRect" presStyleLbl="bgShp" presStyleIdx="6" presStyleCnt="7"/>
+      <dgm:spPr/>
+    </dgm:pt>
+    <dgm:pt modelId="{A5356A8C-4221-47A8-8B02-31178063CCF1}" type="pres">
+      <dgm:prSet presAssocID="{C2B80062-3B81-406D-980B-4E858FAB5ECF}" presName="iconRect" presStyleLbl="node1" presStyleIdx="6" presStyleCnt="7"/>
+      <dgm:spPr>
+        <a:blipFill>
+          <a:blip xmlns:r="http://schemas.openxmlformats.org/officeDocument/2006/relationships" r:embed="rId14">
+            <a:extLst>
+              <a:ext uri="{28A0092B-C50C-407E-A947-70E740481C1C}">
+                <a14:useLocalDpi xmlns:a14="http://schemas.microsoft.com/office/drawing/2010/main" val="0"/>
+              </a:ext>
+              <a:ext uri="{96DAC541-7B7A-43D3-8B79-37D633B846F1}">
+                <asvg:svgBlip xmlns:asvg="http://schemas.microsoft.com/office/drawing/2016/SVG/main" r:embed="rId15"/>
+              </a:ext>
+            </a:extLst>
+          </a:blip>
+          <a:srcRect/>
+          <a:stretch>
+            <a:fillRect/>
+          </a:stretch>
+        </a:blipFill>
+        <a:ln>
+          <a:noFill/>
+        </a:ln>
+      </dgm:spPr>
+      <dgm:extLst>
+        <a:ext uri="{E40237B7-FDA0-4F09-8148-C483321AD2D9}">
+          <dgm14:cNvPr xmlns:dgm14="http://schemas.microsoft.com/office/drawing/2010/diagram" id="0" name="" descr="Crane with solid fill"/>
+        </a:ext>
+      </dgm:extLst>
+    </dgm:pt>
+    <dgm:pt modelId="{AA25CEA0-AB3B-4E4F-BAEA-3F106164E19F}" type="pres">
+      <dgm:prSet presAssocID="{C2B80062-3B81-406D-980B-4E858FAB5ECF}" presName="spaceRect" presStyleCnt="0"/>
+      <dgm:spPr/>
+    </dgm:pt>
+    <dgm:pt modelId="{7357C1B3-BA01-4F37-A986-504CAEFDD350}" type="pres">
+      <dgm:prSet presAssocID="{C2B80062-3B81-406D-980B-4E858FAB5ECF}" presName="textRect" presStyleLbl="revTx" presStyleIdx="6" presStyleCnt="7">
         <dgm:presLayoutVars>
           <dgm:chMax val="1"/>
           <dgm:chPref val="1"/>
@@ -1545,51 +1723,69 @@
     </dgm:pt>
   </dgm:ptLst>
   <dgm:cxnLst>
-    <dgm:cxn modelId="{CDC67B18-A4DE-4034-BBAF-1A7212D1F03F}" type="presOf" srcId="{A8A0FB5A-A696-40DD-B54F-DCE7B9941CDA}" destId="{4FFA57A8-14BF-470A-9136-8E1F4E18FDF8}" srcOrd="0" destOrd="0" presId="urn:microsoft.com/office/officeart/2018/2/layout/IconCircleList"/>
-    <dgm:cxn modelId="{2ED03B1C-D364-4FD8-9E8C-43DD4CA83BD8}" type="presOf" srcId="{8D70E6E0-4035-4478-A1AD-0D1F0C8B87EB}" destId="{0E584416-C31C-41AC-8BA4-48E487F858CA}" srcOrd="0" destOrd="0" presId="urn:microsoft.com/office/officeart/2018/2/layout/IconCircleList"/>
-    <dgm:cxn modelId="{A788312A-A682-4938-8F3F-AB3AB2B94288}" srcId="{EC32060B-6CCC-4FDB-BB6D-C65F0C589C3A}" destId="{8D70E6E0-4035-4478-A1AD-0D1F0C8B87EB}" srcOrd="2" destOrd="0" parTransId="{89F2AF10-D5A8-49C9-BE24-B25DB77D713B}" sibTransId="{7F727046-C43A-443B-8F57-E6395BDFBCC5}"/>
-    <dgm:cxn modelId="{A3C2912E-C6DD-4A5E-8F89-F7AA0F0C473D}" type="presOf" srcId="{F334EF67-94BE-4BDA-BCA4-DC3B08EE420B}" destId="{F91E0C8F-E007-4A24-944A-5D07CC4E3EE0}" srcOrd="0" destOrd="0" presId="urn:microsoft.com/office/officeart/2018/2/layout/IconCircleList"/>
-    <dgm:cxn modelId="{4820155E-EEFC-4697-9C83-A86C6D30E6F5}" type="presOf" srcId="{D95E7BBA-65AF-46AE-B5C5-27A3060DA9A1}" destId="{2A85EF21-38B5-4574-B62F-1091FF435312}" srcOrd="0" destOrd="0" presId="urn:microsoft.com/office/officeart/2018/2/layout/IconCircleList"/>
-    <dgm:cxn modelId="{DBD70067-5353-42E8-989D-A8C64CD6F8AB}" type="presOf" srcId="{7F727046-C43A-443B-8F57-E6395BDFBCC5}" destId="{D8750440-AED4-49EC-9F10-905497688D75}" srcOrd="0" destOrd="0" presId="urn:microsoft.com/office/officeart/2018/2/layout/IconCircleList"/>
-    <dgm:cxn modelId="{F24F5F6D-5B5F-4C40-AC1C-AF14CE30F3E9}" type="presOf" srcId="{8E330F63-A8AF-4E30-BC0C-62D9C6BECCD6}" destId="{6AA500D9-4346-47E8-A4B0-60DDAF7A50C8}" srcOrd="0" destOrd="0" presId="urn:microsoft.com/office/officeart/2018/2/layout/IconCircleList"/>
-    <dgm:cxn modelId="{1C6A0752-2102-4924-8440-8FEF6BA09CB5}" type="presOf" srcId="{EC32060B-6CCC-4FDB-BB6D-C65F0C589C3A}" destId="{41B649FB-3FA7-48EC-9F5C-9559E3DA4F8C}" srcOrd="0" destOrd="0" presId="urn:microsoft.com/office/officeart/2018/2/layout/IconCircleList"/>
+    <dgm:cxn modelId="{3F36E90A-3D4D-42FC-8022-071E18E6B4E2}" type="presOf" srcId="{7E2449E5-A319-4A29-9C20-6CADAB368952}" destId="{97035CE1-EDBF-4CD6-90CF-0DEAB553231A}" srcOrd="0" destOrd="0" presId="urn:microsoft.com/office/officeart/2018/2/layout/IconCircleList"/>
+    <dgm:cxn modelId="{5464CB1E-A787-4F95-8930-37AC56D60E4A}" srcId="{EC32060B-6CCC-4FDB-BB6D-C65F0C589C3A}" destId="{C2B80062-3B81-406D-980B-4E858FAB5ECF}" srcOrd="6" destOrd="0" parTransId="{2AB157B6-F5AD-486B-AC6D-CBD22AB9C665}" sibTransId="{0E934A80-47F1-42A3-8B6B-1B1ED6F76671}"/>
+    <dgm:cxn modelId="{A788312A-A682-4938-8F3F-AB3AB2B94288}" srcId="{EC32060B-6CCC-4FDB-BB6D-C65F0C589C3A}" destId="{8D70E6E0-4035-4478-A1AD-0D1F0C8B87EB}" srcOrd="3" destOrd="0" parTransId="{89F2AF10-D5A8-49C9-BE24-B25DB77D713B}" sibTransId="{7F727046-C43A-443B-8F57-E6395BDFBCC5}"/>
+    <dgm:cxn modelId="{C928D334-E10F-44C6-B9B9-CFC7B7D24BC8}" type="presOf" srcId="{AA70C04C-7C0D-406B-949A-E659F1634380}" destId="{57F1022A-D156-4375-9614-B80B5ACB8DA4}" srcOrd="0" destOrd="0" presId="urn:microsoft.com/office/officeart/2018/2/layout/IconCircleList"/>
+    <dgm:cxn modelId="{1D45B43F-B48E-4984-8BC9-6E763083AB90}" srcId="{EC32060B-6CCC-4FDB-BB6D-C65F0C589C3A}" destId="{2C5B2A16-559A-4AD5-B706-5C05F1CABC21}" srcOrd="5" destOrd="0" parTransId="{15C64FC1-2510-43A2-9F67-EF8FEA88BBE9}" sibTransId="{C303F1DF-2A5C-452D-BF86-582F9E6B77CA}"/>
+    <dgm:cxn modelId="{19C3335E-2CC4-42EA-B9C1-5231FD7E1CF1}" type="presOf" srcId="{8E330F63-A8AF-4E30-BC0C-62D9C6BECCD6}" destId="{6AA500D9-4346-47E8-A4B0-60DDAF7A50C8}" srcOrd="0" destOrd="0" presId="urn:microsoft.com/office/officeart/2018/2/layout/IconCircleList"/>
+    <dgm:cxn modelId="{FA00CF41-51C1-42FF-9C95-119A24CDBB2C}" type="presOf" srcId="{C303F1DF-2A5C-452D-BF86-582F9E6B77CA}" destId="{52BE0A37-D5FB-45D3-B163-854307A3C41D}" srcOrd="0" destOrd="0" presId="urn:microsoft.com/office/officeart/2018/2/layout/IconCircleList"/>
+    <dgm:cxn modelId="{CC0D6745-8797-447D-9A71-D02D11F4FD38}" type="presOf" srcId="{8D70E6E0-4035-4478-A1AD-0D1F0C8B87EB}" destId="{0E584416-C31C-41AC-8BA4-48E487F858CA}" srcOrd="0" destOrd="0" presId="urn:microsoft.com/office/officeart/2018/2/layout/IconCircleList"/>
+    <dgm:cxn modelId="{5A510673-F178-4097-83FC-F1FED1286B71}" type="presOf" srcId="{30E38A0F-74CF-471B-BC86-2D832867135E}" destId="{BA94FFD6-752A-44DC-B96C-D39CFE1E25A6}" srcOrd="0" destOrd="0" presId="urn:microsoft.com/office/officeart/2018/2/layout/IconCircleList"/>
     <dgm:cxn modelId="{9DB0D85A-D706-471E-ABDA-72E8C673C130}" srcId="{EC32060B-6CCC-4FDB-BB6D-C65F0C589C3A}" destId="{B9FBDE55-940F-44C0-93F8-429FDCB34508}" srcOrd="4" destOrd="0" parTransId="{51E7EE09-2CB0-4A3B-AF85-63E53F8C2F5E}" sibTransId="{8BC93545-1C3E-4F02-83A5-1B2F970BEEB5}"/>
-    <dgm:cxn modelId="{0879B57D-67DB-4A8A-B343-2284AE12BC6E}" type="presOf" srcId="{B9FBDE55-940F-44C0-93F8-429FDCB34508}" destId="{B7D26B08-7AF9-4BD1-A108-38B2319EE2CB}" srcOrd="0" destOrd="0" presId="urn:microsoft.com/office/officeart/2018/2/layout/IconCircleList"/>
+    <dgm:cxn modelId="{47719C87-1579-4BF5-910E-29F104C62E7B}" type="presOf" srcId="{2C5B2A16-559A-4AD5-B706-5C05F1CABC21}" destId="{FB66B53C-294D-440A-AD09-23641C11ED84}" srcOrd="0" destOrd="0" presId="urn:microsoft.com/office/officeart/2018/2/layout/IconCircleList"/>
+    <dgm:cxn modelId="{428F4792-2B75-482C-B8E2-34C3C76676B6}" type="presOf" srcId="{634290B2-EE5A-488D-A35C-A9651C08CFF1}" destId="{DFD93B0F-0A3C-4E97-ABAA-AA536747FB8E}" srcOrd="0" destOrd="0" presId="urn:microsoft.com/office/officeart/2018/2/layout/IconCircleList"/>
+    <dgm:cxn modelId="{FBD2809F-D08D-4B88-8D1D-24E4006607FE}" type="presOf" srcId="{EC32060B-6CCC-4FDB-BB6D-C65F0C589C3A}" destId="{41B649FB-3FA7-48EC-9F5C-9559E3DA4F8C}" srcOrd="0" destOrd="0" presId="urn:microsoft.com/office/officeart/2018/2/layout/IconCircleList"/>
     <dgm:cxn modelId="{09941EA8-A66B-4D78-9C9F-D3939779C8E9}" srcId="{EC32060B-6CCC-4FDB-BB6D-C65F0C589C3A}" destId="{D95E7BBA-65AF-46AE-B5C5-27A3060DA9A1}" srcOrd="1" destOrd="0" parTransId="{723B6D4A-D4B2-44D1-A171-8C2759925932}" sibTransId="{7E2449E5-A319-4A29-9C20-6CADAB368952}"/>
+    <dgm:cxn modelId="{C37EBFA9-F46F-4E4D-A817-0822392210C3}" type="presOf" srcId="{B9FBDE55-940F-44C0-93F8-429FDCB34508}" destId="{B7D26B08-7AF9-4BD1-A108-38B2319EE2CB}" srcOrd="0" destOrd="0" presId="urn:microsoft.com/office/officeart/2018/2/layout/IconCircleList"/>
+    <dgm:cxn modelId="{8B4018B1-01B2-4AD2-A341-603CA04CD5B3}" type="presOf" srcId="{C2B80062-3B81-406D-980B-4E858FAB5ECF}" destId="{7357C1B3-BA01-4F37-A986-504CAEFDD350}" srcOrd="0" destOrd="0" presId="urn:microsoft.com/office/officeart/2018/2/layout/IconCircleList"/>
     <dgm:cxn modelId="{7F45B9B8-A5E3-4E98-A117-E17A1B167456}" srcId="{EC32060B-6CCC-4FDB-BB6D-C65F0C589C3A}" destId="{30E38A0F-74CF-471B-BC86-2D832867135E}" srcOrd="0" destOrd="0" parTransId="{5DF89C0E-57E2-4E3D-A4FC-71BA7B23E518}" sibTransId="{8E330F63-A8AF-4E30-BC0C-62D9C6BECCD6}"/>
-    <dgm:cxn modelId="{2B5F4DC6-019C-462A-852D-728ABC464C8F}" type="presOf" srcId="{30E38A0F-74CF-471B-BC86-2D832867135E}" destId="{BA94FFD6-752A-44DC-B96C-D39CFE1E25A6}" srcOrd="0" destOrd="0" presId="urn:microsoft.com/office/officeart/2018/2/layout/IconCircleList"/>
-    <dgm:cxn modelId="{C8B78FE8-2291-4161-9DB2-AA685BA4340B}" type="presOf" srcId="{7E2449E5-A319-4A29-9C20-6CADAB368952}" destId="{97035CE1-EDBF-4CD6-90CF-0DEAB553231A}" srcOrd="0" destOrd="0" presId="urn:microsoft.com/office/officeart/2018/2/layout/IconCircleList"/>
-    <dgm:cxn modelId="{6DC9C3EF-A456-489A-8596-E01C39FA501D}" srcId="{EC32060B-6CCC-4FDB-BB6D-C65F0C589C3A}" destId="{A8A0FB5A-A696-40DD-B54F-DCE7B9941CDA}" srcOrd="3" destOrd="0" parTransId="{19534BED-8C4C-46A8-BDAF-99B3C25D446C}" sibTransId="{F334EF67-94BE-4BDA-BCA4-DC3B08EE420B}"/>
-    <dgm:cxn modelId="{7548BC76-E300-48C2-BB70-4251A7F53799}" type="presParOf" srcId="{41B649FB-3FA7-48EC-9F5C-9559E3DA4F8C}" destId="{8B92B109-E9CB-4849-97CD-8960E645EB4F}" srcOrd="0" destOrd="0" presId="urn:microsoft.com/office/officeart/2018/2/layout/IconCircleList"/>
-    <dgm:cxn modelId="{83FDA206-68DD-4E18-8E37-27C8ACDC6808}" type="presParOf" srcId="{8B92B109-E9CB-4849-97CD-8960E645EB4F}" destId="{A9785987-6C67-47F5-AD11-E1C507314658}" srcOrd="0" destOrd="0" presId="urn:microsoft.com/office/officeart/2018/2/layout/IconCircleList"/>
-    <dgm:cxn modelId="{E39C9143-6F67-48BD-9D3D-2928362E1E5D}" type="presParOf" srcId="{A9785987-6C67-47F5-AD11-E1C507314658}" destId="{8D6F11F9-89A9-4363-83E1-A829AE3AA3E1}" srcOrd="0" destOrd="0" presId="urn:microsoft.com/office/officeart/2018/2/layout/IconCircleList"/>
-    <dgm:cxn modelId="{097846B7-0E1A-41CB-B608-3298A2A19AF6}" type="presParOf" srcId="{A9785987-6C67-47F5-AD11-E1C507314658}" destId="{FF9C0C32-C0FA-4D60-8125-217DBD424074}" srcOrd="1" destOrd="0" presId="urn:microsoft.com/office/officeart/2018/2/layout/IconCircleList"/>
-    <dgm:cxn modelId="{01898BBC-1E43-4A60-B199-BC1C80085EE5}" type="presParOf" srcId="{A9785987-6C67-47F5-AD11-E1C507314658}" destId="{19E76082-65C7-43BE-AD8F-37AD51B287CF}" srcOrd="2" destOrd="0" presId="urn:microsoft.com/office/officeart/2018/2/layout/IconCircleList"/>
-    <dgm:cxn modelId="{568898AD-EE7C-44D4-8262-8A05F4921D4E}" type="presParOf" srcId="{A9785987-6C67-47F5-AD11-E1C507314658}" destId="{BA94FFD6-752A-44DC-B96C-D39CFE1E25A6}" srcOrd="3" destOrd="0" presId="urn:microsoft.com/office/officeart/2018/2/layout/IconCircleList"/>
-    <dgm:cxn modelId="{60D3450C-7C5D-4D23-812C-8872558C677E}" type="presParOf" srcId="{8B92B109-E9CB-4849-97CD-8960E645EB4F}" destId="{6AA500D9-4346-47E8-A4B0-60DDAF7A50C8}" srcOrd="1" destOrd="0" presId="urn:microsoft.com/office/officeart/2018/2/layout/IconCircleList"/>
-    <dgm:cxn modelId="{09581ED8-9280-436A-A034-D933A7A98EA5}" type="presParOf" srcId="{8B92B109-E9CB-4849-97CD-8960E645EB4F}" destId="{5C67C554-1164-481F-A467-E1DE10B944CC}" srcOrd="2" destOrd="0" presId="urn:microsoft.com/office/officeart/2018/2/layout/IconCircleList"/>
-    <dgm:cxn modelId="{CFA1A623-8E62-408C-8F7F-BCF48703FD16}" type="presParOf" srcId="{5C67C554-1164-481F-A467-E1DE10B944CC}" destId="{5337C43D-84ED-45BA-9150-9CF293C708B2}" srcOrd="0" destOrd="0" presId="urn:microsoft.com/office/officeart/2018/2/layout/IconCircleList"/>
-    <dgm:cxn modelId="{C8F96104-C4B4-4CDE-9D6F-051A8D0BD1DB}" type="presParOf" srcId="{5C67C554-1164-481F-A467-E1DE10B944CC}" destId="{8568AD26-7EC1-43E4-B70D-901CE9102A58}" srcOrd="1" destOrd="0" presId="urn:microsoft.com/office/officeart/2018/2/layout/IconCircleList"/>
-    <dgm:cxn modelId="{FA13F32A-0F8B-47AF-BC38-74B7351D00AD}" type="presParOf" srcId="{5C67C554-1164-481F-A467-E1DE10B944CC}" destId="{47D44602-D410-42AD-A7A1-1BEB9EB34335}" srcOrd="2" destOrd="0" presId="urn:microsoft.com/office/officeart/2018/2/layout/IconCircleList"/>
-    <dgm:cxn modelId="{AD357B33-C73F-401A-BC53-20595359A9F0}" type="presParOf" srcId="{5C67C554-1164-481F-A467-E1DE10B944CC}" destId="{2A85EF21-38B5-4574-B62F-1091FF435312}" srcOrd="3" destOrd="0" presId="urn:microsoft.com/office/officeart/2018/2/layout/IconCircleList"/>
-    <dgm:cxn modelId="{7D5BBDEC-8B23-4760-972E-4BA3B2A7A24D}" type="presParOf" srcId="{8B92B109-E9CB-4849-97CD-8960E645EB4F}" destId="{97035CE1-EDBF-4CD6-90CF-0DEAB553231A}" srcOrd="3" destOrd="0" presId="urn:microsoft.com/office/officeart/2018/2/layout/IconCircleList"/>
-    <dgm:cxn modelId="{EB18B510-BF96-427A-A405-56260CB111E1}" type="presParOf" srcId="{8B92B109-E9CB-4849-97CD-8960E645EB4F}" destId="{DC8DDCB6-AEEB-416C-ACFC-87A6B0E6C2D2}" srcOrd="4" destOrd="0" presId="urn:microsoft.com/office/officeart/2018/2/layout/IconCircleList"/>
-    <dgm:cxn modelId="{2F3CE1CF-5E06-40BE-880B-08DA38527AED}" type="presParOf" srcId="{DC8DDCB6-AEEB-416C-ACFC-87A6B0E6C2D2}" destId="{E1329C41-78B8-4463-9E18-41CA6C411943}" srcOrd="0" destOrd="0" presId="urn:microsoft.com/office/officeart/2018/2/layout/IconCircleList"/>
-    <dgm:cxn modelId="{76645215-2428-4B8C-85C9-E1CCB2DF4C77}" type="presParOf" srcId="{DC8DDCB6-AEEB-416C-ACFC-87A6B0E6C2D2}" destId="{2E147FE0-57BC-4257-96BC-1E1E7151F9A9}" srcOrd="1" destOrd="0" presId="urn:microsoft.com/office/officeart/2018/2/layout/IconCircleList"/>
-    <dgm:cxn modelId="{D34885A5-D247-4F07-81B3-D7F0796A3961}" type="presParOf" srcId="{DC8DDCB6-AEEB-416C-ACFC-87A6B0E6C2D2}" destId="{CE241EBC-AC7A-4F29-8CD7-D383E43465D6}" srcOrd="2" destOrd="0" presId="urn:microsoft.com/office/officeart/2018/2/layout/IconCircleList"/>
-    <dgm:cxn modelId="{2994779C-3520-4042-AB75-0D1A3EBB2AD3}" type="presParOf" srcId="{DC8DDCB6-AEEB-416C-ACFC-87A6B0E6C2D2}" destId="{0E584416-C31C-41AC-8BA4-48E487F858CA}" srcOrd="3" destOrd="0" presId="urn:microsoft.com/office/officeart/2018/2/layout/IconCircleList"/>
-    <dgm:cxn modelId="{A52A6198-8862-4F50-B328-E33C3007A70C}" type="presParOf" srcId="{8B92B109-E9CB-4849-97CD-8960E645EB4F}" destId="{D8750440-AED4-49EC-9F10-905497688D75}" srcOrd="5" destOrd="0" presId="urn:microsoft.com/office/officeart/2018/2/layout/IconCircleList"/>
-    <dgm:cxn modelId="{75B3933B-A813-4403-BC82-71C7882C7C8F}" type="presParOf" srcId="{8B92B109-E9CB-4849-97CD-8960E645EB4F}" destId="{479ED212-4CC2-4D71-B7BC-0F9530CEB8F0}" srcOrd="6" destOrd="0" presId="urn:microsoft.com/office/officeart/2018/2/layout/IconCircleList"/>
-    <dgm:cxn modelId="{F472BFF0-8FD0-4159-8539-4E127D8C3E60}" type="presParOf" srcId="{479ED212-4CC2-4D71-B7BC-0F9530CEB8F0}" destId="{D4DC0D0D-D49E-45EA-A79C-AEBABEAE001D}" srcOrd="0" destOrd="0" presId="urn:microsoft.com/office/officeart/2018/2/layout/IconCircleList"/>
-    <dgm:cxn modelId="{54FE1722-F118-402C-A0B4-C60C7E855EFB}" type="presParOf" srcId="{479ED212-4CC2-4D71-B7BC-0F9530CEB8F0}" destId="{14A3EC65-86D5-4775-BD21-9F5F03A49B4A}" srcOrd="1" destOrd="0" presId="urn:microsoft.com/office/officeart/2018/2/layout/IconCircleList"/>
-    <dgm:cxn modelId="{E329333F-6ED1-47E1-A02F-AC6C7DAF8232}" type="presParOf" srcId="{479ED212-4CC2-4D71-B7BC-0F9530CEB8F0}" destId="{493EF04C-4EA4-4E6F-A196-37AB0987321B}" srcOrd="2" destOrd="0" presId="urn:microsoft.com/office/officeart/2018/2/layout/IconCircleList"/>
-    <dgm:cxn modelId="{880F6D18-F498-44B6-B2AF-2963E109A0C3}" type="presParOf" srcId="{479ED212-4CC2-4D71-B7BC-0F9530CEB8F0}" destId="{4FFA57A8-14BF-470A-9136-8E1F4E18FDF8}" srcOrd="3" destOrd="0" presId="urn:microsoft.com/office/officeart/2018/2/layout/IconCircleList"/>
-    <dgm:cxn modelId="{B9E6123C-A99D-42AE-B595-8DE5B882E0D3}" type="presParOf" srcId="{8B92B109-E9CB-4849-97CD-8960E645EB4F}" destId="{F91E0C8F-E007-4A24-944A-5D07CC4E3EE0}" srcOrd="7" destOrd="0" presId="urn:microsoft.com/office/officeart/2018/2/layout/IconCircleList"/>
-    <dgm:cxn modelId="{6BDC4016-78E5-4FC0-8392-F6A3871166DF}" type="presParOf" srcId="{8B92B109-E9CB-4849-97CD-8960E645EB4F}" destId="{881AE8DA-07E4-46DC-A6CD-DD175E0BD0B4}" srcOrd="8" destOrd="0" presId="urn:microsoft.com/office/officeart/2018/2/layout/IconCircleList"/>
-    <dgm:cxn modelId="{308D0844-C668-4B5B-819B-C7597CC75FBD}" type="presParOf" srcId="{881AE8DA-07E4-46DC-A6CD-DD175E0BD0B4}" destId="{E366B05F-46A5-4AC6-A4EF-C5D801F116AB}" srcOrd="0" destOrd="0" presId="urn:microsoft.com/office/officeart/2018/2/layout/IconCircleList"/>
-    <dgm:cxn modelId="{9AB62C29-4554-4630-A8CB-E8FD639B31FA}" type="presParOf" srcId="{881AE8DA-07E4-46DC-A6CD-DD175E0BD0B4}" destId="{A4EEFD79-1396-4160-BAEB-8DF14FA588A7}" srcOrd="1" destOrd="0" presId="urn:microsoft.com/office/officeart/2018/2/layout/IconCircleList"/>
-    <dgm:cxn modelId="{81BEA81C-68DA-4C74-931E-1B18CAAF23ED}" type="presParOf" srcId="{881AE8DA-07E4-46DC-A6CD-DD175E0BD0B4}" destId="{FC23FF01-EC51-4C5E-8B54-0E4D0D1517AE}" srcOrd="2" destOrd="0" presId="urn:microsoft.com/office/officeart/2018/2/layout/IconCircleList"/>
-    <dgm:cxn modelId="{4B992681-5965-4DAB-AE16-90CC55776B2B}" type="presParOf" srcId="{881AE8DA-07E4-46DC-A6CD-DD175E0BD0B4}" destId="{B7D26B08-7AF9-4BD1-A108-38B2319EE2CB}" srcOrd="3" destOrd="0" presId="urn:microsoft.com/office/officeart/2018/2/layout/IconCircleList"/>
+    <dgm:cxn modelId="{597BEEBF-991B-4412-B495-E03296C814E6}" type="presOf" srcId="{7F727046-C43A-443B-8F57-E6395BDFBCC5}" destId="{D8750440-AED4-49EC-9F10-905497688D75}" srcOrd="0" destOrd="0" presId="urn:microsoft.com/office/officeart/2018/2/layout/IconCircleList"/>
+    <dgm:cxn modelId="{218C6FE3-722F-430B-9ADD-417C1DA15238}" srcId="{EC32060B-6CCC-4FDB-BB6D-C65F0C589C3A}" destId="{AA70C04C-7C0D-406B-949A-E659F1634380}" srcOrd="2" destOrd="0" parTransId="{24DEBDB4-45E7-4432-A10B-AA82B48AE883}" sibTransId="{634290B2-EE5A-488D-A35C-A9651C08CFF1}"/>
+    <dgm:cxn modelId="{C77673E8-7737-447C-A024-6D9D34253813}" type="presOf" srcId="{D95E7BBA-65AF-46AE-B5C5-27A3060DA9A1}" destId="{2A85EF21-38B5-4574-B62F-1091FF435312}" srcOrd="0" destOrd="0" presId="urn:microsoft.com/office/officeart/2018/2/layout/IconCircleList"/>
+    <dgm:cxn modelId="{B1C7B3FD-8D9B-4188-9370-E0A2B335A55D}" type="presOf" srcId="{8BC93545-1C3E-4F02-83A5-1B2F970BEEB5}" destId="{0C826062-5E12-4FF3-B45B-2440E06190A4}" srcOrd="0" destOrd="0" presId="urn:microsoft.com/office/officeart/2018/2/layout/IconCircleList"/>
+    <dgm:cxn modelId="{D7E8B930-D511-47B4-B933-C5D9B995F907}" type="presParOf" srcId="{41B649FB-3FA7-48EC-9F5C-9559E3DA4F8C}" destId="{8B92B109-E9CB-4849-97CD-8960E645EB4F}" srcOrd="0" destOrd="0" presId="urn:microsoft.com/office/officeart/2018/2/layout/IconCircleList"/>
+    <dgm:cxn modelId="{3488DEEB-0D85-490C-BC09-9B43BCD9A5F4}" type="presParOf" srcId="{8B92B109-E9CB-4849-97CD-8960E645EB4F}" destId="{A9785987-6C67-47F5-AD11-E1C507314658}" srcOrd="0" destOrd="0" presId="urn:microsoft.com/office/officeart/2018/2/layout/IconCircleList"/>
+    <dgm:cxn modelId="{DAFF332A-50F1-4D15-9324-226C679645B9}" type="presParOf" srcId="{A9785987-6C67-47F5-AD11-E1C507314658}" destId="{8D6F11F9-89A9-4363-83E1-A829AE3AA3E1}" srcOrd="0" destOrd="0" presId="urn:microsoft.com/office/officeart/2018/2/layout/IconCircleList"/>
+    <dgm:cxn modelId="{611CB389-444F-4B35-B183-31E68ED9A702}" type="presParOf" srcId="{A9785987-6C67-47F5-AD11-E1C507314658}" destId="{FF9C0C32-C0FA-4D60-8125-217DBD424074}" srcOrd="1" destOrd="0" presId="urn:microsoft.com/office/officeart/2018/2/layout/IconCircleList"/>
+    <dgm:cxn modelId="{48C92E9E-7BEA-40D1-AE00-84100BE0E7AB}" type="presParOf" srcId="{A9785987-6C67-47F5-AD11-E1C507314658}" destId="{19E76082-65C7-43BE-AD8F-37AD51B287CF}" srcOrd="2" destOrd="0" presId="urn:microsoft.com/office/officeart/2018/2/layout/IconCircleList"/>
+    <dgm:cxn modelId="{F254476C-9FCF-4F7D-9BC8-123EDD5D2519}" type="presParOf" srcId="{A9785987-6C67-47F5-AD11-E1C507314658}" destId="{BA94FFD6-752A-44DC-B96C-D39CFE1E25A6}" srcOrd="3" destOrd="0" presId="urn:microsoft.com/office/officeart/2018/2/layout/IconCircleList"/>
+    <dgm:cxn modelId="{ECD2647B-01AD-4204-9716-F5DB6029B061}" type="presParOf" srcId="{8B92B109-E9CB-4849-97CD-8960E645EB4F}" destId="{6AA500D9-4346-47E8-A4B0-60DDAF7A50C8}" srcOrd="1" destOrd="0" presId="urn:microsoft.com/office/officeart/2018/2/layout/IconCircleList"/>
+    <dgm:cxn modelId="{AA0254B2-D99D-4A44-9B9A-77178C5CF374}" type="presParOf" srcId="{8B92B109-E9CB-4849-97CD-8960E645EB4F}" destId="{5C67C554-1164-481F-A467-E1DE10B944CC}" srcOrd="2" destOrd="0" presId="urn:microsoft.com/office/officeart/2018/2/layout/IconCircleList"/>
+    <dgm:cxn modelId="{5B143D9F-6A9C-4C07-BF99-0B8E56E419FB}" type="presParOf" srcId="{5C67C554-1164-481F-A467-E1DE10B944CC}" destId="{5337C43D-84ED-45BA-9150-9CF293C708B2}" srcOrd="0" destOrd="0" presId="urn:microsoft.com/office/officeart/2018/2/layout/IconCircleList"/>
+    <dgm:cxn modelId="{E8549A1B-6C95-481A-999B-54697A5E2828}" type="presParOf" srcId="{5C67C554-1164-481F-A467-E1DE10B944CC}" destId="{8568AD26-7EC1-43E4-B70D-901CE9102A58}" srcOrd="1" destOrd="0" presId="urn:microsoft.com/office/officeart/2018/2/layout/IconCircleList"/>
+    <dgm:cxn modelId="{DA5FC41D-B192-43F5-A207-F160803DDCF3}" type="presParOf" srcId="{5C67C554-1164-481F-A467-E1DE10B944CC}" destId="{47D44602-D410-42AD-A7A1-1BEB9EB34335}" srcOrd="2" destOrd="0" presId="urn:microsoft.com/office/officeart/2018/2/layout/IconCircleList"/>
+    <dgm:cxn modelId="{10DDE71D-A8DC-425A-B913-9748F2DC819D}" type="presParOf" srcId="{5C67C554-1164-481F-A467-E1DE10B944CC}" destId="{2A85EF21-38B5-4574-B62F-1091FF435312}" srcOrd="3" destOrd="0" presId="urn:microsoft.com/office/officeart/2018/2/layout/IconCircleList"/>
+    <dgm:cxn modelId="{45F35951-8CBA-4F72-8DB1-74A772288D58}" type="presParOf" srcId="{8B92B109-E9CB-4849-97CD-8960E645EB4F}" destId="{97035CE1-EDBF-4CD6-90CF-0DEAB553231A}" srcOrd="3" destOrd="0" presId="urn:microsoft.com/office/officeart/2018/2/layout/IconCircleList"/>
+    <dgm:cxn modelId="{42AC3ABC-2ED4-4ACE-AF27-EDC5567DB139}" type="presParOf" srcId="{8B92B109-E9CB-4849-97CD-8960E645EB4F}" destId="{0853E669-03A6-4DFA-B644-0FB645E7E343}" srcOrd="4" destOrd="0" presId="urn:microsoft.com/office/officeart/2018/2/layout/IconCircleList"/>
+    <dgm:cxn modelId="{5F29E08D-11EC-443B-9B6C-E85523A0F1D7}" type="presParOf" srcId="{0853E669-03A6-4DFA-B644-0FB645E7E343}" destId="{F393503D-4018-484F-BAB0-F32E181D38BC}" srcOrd="0" destOrd="0" presId="urn:microsoft.com/office/officeart/2018/2/layout/IconCircleList"/>
+    <dgm:cxn modelId="{C9BECCAD-D064-4677-9BFD-FA378126C1D3}" type="presParOf" srcId="{0853E669-03A6-4DFA-B644-0FB645E7E343}" destId="{46BB0E22-F250-4F30-8C3C-47EBC0825B12}" srcOrd="1" destOrd="0" presId="urn:microsoft.com/office/officeart/2018/2/layout/IconCircleList"/>
+    <dgm:cxn modelId="{9E59C5D3-F3E0-4D8B-AE77-08C2EBCAE1A4}" type="presParOf" srcId="{0853E669-03A6-4DFA-B644-0FB645E7E343}" destId="{59BDE8DC-75C0-4AF0-AB8C-9E52B4C03506}" srcOrd="2" destOrd="0" presId="urn:microsoft.com/office/officeart/2018/2/layout/IconCircleList"/>
+    <dgm:cxn modelId="{89AF656D-AF8F-43BD-A8A6-EBF312102C1C}" type="presParOf" srcId="{0853E669-03A6-4DFA-B644-0FB645E7E343}" destId="{57F1022A-D156-4375-9614-B80B5ACB8DA4}" srcOrd="3" destOrd="0" presId="urn:microsoft.com/office/officeart/2018/2/layout/IconCircleList"/>
+    <dgm:cxn modelId="{CA564BA4-3FC3-4037-A9B6-E3E12BF9B57B}" type="presParOf" srcId="{8B92B109-E9CB-4849-97CD-8960E645EB4F}" destId="{DFD93B0F-0A3C-4E97-ABAA-AA536747FB8E}" srcOrd="5" destOrd="0" presId="urn:microsoft.com/office/officeart/2018/2/layout/IconCircleList"/>
+    <dgm:cxn modelId="{0E2CF47F-2834-406A-BDD9-DEA40427F9FD}" type="presParOf" srcId="{8B92B109-E9CB-4849-97CD-8960E645EB4F}" destId="{DC8DDCB6-AEEB-416C-ACFC-87A6B0E6C2D2}" srcOrd="6" destOrd="0" presId="urn:microsoft.com/office/officeart/2018/2/layout/IconCircleList"/>
+    <dgm:cxn modelId="{F85033CF-7870-4255-9F3C-D81B76693848}" type="presParOf" srcId="{DC8DDCB6-AEEB-416C-ACFC-87A6B0E6C2D2}" destId="{E1329C41-78B8-4463-9E18-41CA6C411943}" srcOrd="0" destOrd="0" presId="urn:microsoft.com/office/officeart/2018/2/layout/IconCircleList"/>
+    <dgm:cxn modelId="{7F7E5AA2-AAD5-47E8-8FCD-6BEE1B8F676F}" type="presParOf" srcId="{DC8DDCB6-AEEB-416C-ACFC-87A6B0E6C2D2}" destId="{2E147FE0-57BC-4257-96BC-1E1E7151F9A9}" srcOrd="1" destOrd="0" presId="urn:microsoft.com/office/officeart/2018/2/layout/IconCircleList"/>
+    <dgm:cxn modelId="{86200EB0-DF09-4E6F-9621-8C8F577C917A}" type="presParOf" srcId="{DC8DDCB6-AEEB-416C-ACFC-87A6B0E6C2D2}" destId="{CE241EBC-AC7A-4F29-8CD7-D383E43465D6}" srcOrd="2" destOrd="0" presId="urn:microsoft.com/office/officeart/2018/2/layout/IconCircleList"/>
+    <dgm:cxn modelId="{69B8085B-375D-4780-B87B-11937B372846}" type="presParOf" srcId="{DC8DDCB6-AEEB-416C-ACFC-87A6B0E6C2D2}" destId="{0E584416-C31C-41AC-8BA4-48E487F858CA}" srcOrd="3" destOrd="0" presId="urn:microsoft.com/office/officeart/2018/2/layout/IconCircleList"/>
+    <dgm:cxn modelId="{D527C9B2-A367-463E-882C-823AEFC63E75}" type="presParOf" srcId="{8B92B109-E9CB-4849-97CD-8960E645EB4F}" destId="{D8750440-AED4-49EC-9F10-905497688D75}" srcOrd="7" destOrd="0" presId="urn:microsoft.com/office/officeart/2018/2/layout/IconCircleList"/>
+    <dgm:cxn modelId="{DEA732C5-5F40-4951-8017-0BF6D5A3FA01}" type="presParOf" srcId="{8B92B109-E9CB-4849-97CD-8960E645EB4F}" destId="{881AE8DA-07E4-46DC-A6CD-DD175E0BD0B4}" srcOrd="8" destOrd="0" presId="urn:microsoft.com/office/officeart/2018/2/layout/IconCircleList"/>
+    <dgm:cxn modelId="{D914E0EC-61A6-4B88-8449-2BE925E1406E}" type="presParOf" srcId="{881AE8DA-07E4-46DC-A6CD-DD175E0BD0B4}" destId="{E366B05F-46A5-4AC6-A4EF-C5D801F116AB}" srcOrd="0" destOrd="0" presId="urn:microsoft.com/office/officeart/2018/2/layout/IconCircleList"/>
+    <dgm:cxn modelId="{5E9D9246-DA28-423F-A3BC-DD1AFF685292}" type="presParOf" srcId="{881AE8DA-07E4-46DC-A6CD-DD175E0BD0B4}" destId="{A4EEFD79-1396-4160-BAEB-8DF14FA588A7}" srcOrd="1" destOrd="0" presId="urn:microsoft.com/office/officeart/2018/2/layout/IconCircleList"/>
+    <dgm:cxn modelId="{99554DEF-886D-46C1-94F1-7DBF372DF308}" type="presParOf" srcId="{881AE8DA-07E4-46DC-A6CD-DD175E0BD0B4}" destId="{FC23FF01-EC51-4C5E-8B54-0E4D0D1517AE}" srcOrd="2" destOrd="0" presId="urn:microsoft.com/office/officeart/2018/2/layout/IconCircleList"/>
+    <dgm:cxn modelId="{3DE1BF8C-5366-45CB-B288-F982B1828C25}" type="presParOf" srcId="{881AE8DA-07E4-46DC-A6CD-DD175E0BD0B4}" destId="{B7D26B08-7AF9-4BD1-A108-38B2319EE2CB}" srcOrd="3" destOrd="0" presId="urn:microsoft.com/office/officeart/2018/2/layout/IconCircleList"/>
+    <dgm:cxn modelId="{D1B77000-C059-44CC-86ED-CBF5CD663E90}" type="presParOf" srcId="{8B92B109-E9CB-4849-97CD-8960E645EB4F}" destId="{0C826062-5E12-4FF3-B45B-2440E06190A4}" srcOrd="9" destOrd="0" presId="urn:microsoft.com/office/officeart/2018/2/layout/IconCircleList"/>
+    <dgm:cxn modelId="{26C50D28-FE0D-405C-B4C8-EA5273480C74}" type="presParOf" srcId="{8B92B109-E9CB-4849-97CD-8960E645EB4F}" destId="{BE7CF508-C329-4D82-8124-002F71F5392D}" srcOrd="10" destOrd="0" presId="urn:microsoft.com/office/officeart/2018/2/layout/IconCircleList"/>
+    <dgm:cxn modelId="{1C95B17A-50C9-4569-9DEA-9393441FA24C}" type="presParOf" srcId="{BE7CF508-C329-4D82-8124-002F71F5392D}" destId="{76232A6D-A711-4F57-AD01-0AF2308F298E}" srcOrd="0" destOrd="0" presId="urn:microsoft.com/office/officeart/2018/2/layout/IconCircleList"/>
+    <dgm:cxn modelId="{06D05726-E513-4D37-8FC0-7C2886D0868D}" type="presParOf" srcId="{BE7CF508-C329-4D82-8124-002F71F5392D}" destId="{D007B3BF-7B19-4551-8075-626CD629B805}" srcOrd="1" destOrd="0" presId="urn:microsoft.com/office/officeart/2018/2/layout/IconCircleList"/>
+    <dgm:cxn modelId="{B6BA341E-653E-468C-B9E6-9A241F82D257}" type="presParOf" srcId="{BE7CF508-C329-4D82-8124-002F71F5392D}" destId="{D15381F5-6F88-40ED-B572-96A9EDD6398D}" srcOrd="2" destOrd="0" presId="urn:microsoft.com/office/officeart/2018/2/layout/IconCircleList"/>
+    <dgm:cxn modelId="{7F65D0F5-7A1B-43F7-883E-5DC9904C99C2}" type="presParOf" srcId="{BE7CF508-C329-4D82-8124-002F71F5392D}" destId="{FB66B53C-294D-440A-AD09-23641C11ED84}" srcOrd="3" destOrd="0" presId="urn:microsoft.com/office/officeart/2018/2/layout/IconCircleList"/>
+    <dgm:cxn modelId="{7EC6A7E4-D286-47B3-8C52-2B1D26DDFE4F}" type="presParOf" srcId="{8B92B109-E9CB-4849-97CD-8960E645EB4F}" destId="{52BE0A37-D5FB-45D3-B163-854307A3C41D}" srcOrd="11" destOrd="0" presId="urn:microsoft.com/office/officeart/2018/2/layout/IconCircleList"/>
+    <dgm:cxn modelId="{B06C61AE-A54D-4BD1-BAD4-66EF223952CD}" type="presParOf" srcId="{8B92B109-E9CB-4849-97CD-8960E645EB4F}" destId="{1B808952-317C-4368-BC7B-36CCA42A3B85}" srcOrd="12" destOrd="0" presId="urn:microsoft.com/office/officeart/2018/2/layout/IconCircleList"/>
+    <dgm:cxn modelId="{066A7C36-109E-4F2E-AA53-E10B83354552}" type="presParOf" srcId="{1B808952-317C-4368-BC7B-36CCA42A3B85}" destId="{9DD53166-C5EF-4A06-83D0-6773F3EF181D}" srcOrd="0" destOrd="0" presId="urn:microsoft.com/office/officeart/2018/2/layout/IconCircleList"/>
+    <dgm:cxn modelId="{39595087-F7E4-4194-A971-C05BFB6CF150}" type="presParOf" srcId="{1B808952-317C-4368-BC7B-36CCA42A3B85}" destId="{A5356A8C-4221-47A8-8B02-31178063CCF1}" srcOrd="1" destOrd="0" presId="urn:microsoft.com/office/officeart/2018/2/layout/IconCircleList"/>
+    <dgm:cxn modelId="{A151F251-ADD5-47BA-A068-62927303C4B6}" type="presParOf" srcId="{1B808952-317C-4368-BC7B-36CCA42A3B85}" destId="{AA25CEA0-AB3B-4E4F-BAEA-3F106164E19F}" srcOrd="2" destOrd="0" presId="urn:microsoft.com/office/officeart/2018/2/layout/IconCircleList"/>
+    <dgm:cxn modelId="{B2C2D11F-5A5E-4E2B-8EDE-9496C68F78EE}" type="presParOf" srcId="{1B808952-317C-4368-BC7B-36CCA42A3B85}" destId="{7357C1B3-BA01-4F37-A986-504CAEFDD350}" srcOrd="3" destOrd="0" presId="urn:microsoft.com/office/officeart/2018/2/layout/IconCircleList"/>
   </dgm:cxnLst>
   <dgm:bg/>
   <dgm:whole/>
@@ -1616,8 +1812,8 @@
       </dsp:nvSpPr>
       <dsp:spPr>
         <a:xfrm>
-          <a:off x="1538994" y="52097"/>
-          <a:ext cx="865834" cy="865834"/>
+          <a:off x="191458" y="149985"/>
+          <a:ext cx="800575" cy="800575"/>
         </a:xfrm>
         <a:prstGeom prst="ellipse">
           <a:avLst/>
@@ -1656,8 +1852,8 @@
       </dsp:nvSpPr>
       <dsp:spPr>
         <a:xfrm>
-          <a:off x="1720819" y="233922"/>
-          <a:ext cx="502184" cy="502184"/>
+          <a:off x="359579" y="318106"/>
+          <a:ext cx="464334" cy="464334"/>
         </a:xfrm>
         <a:prstGeom prst="rect">
           <a:avLst/>
@@ -1705,8 +1901,8 @@
       </dsp:nvSpPr>
       <dsp:spPr>
         <a:xfrm>
-          <a:off x="2590365" y="52097"/>
-          <a:ext cx="2040895" cy="865834"/>
+          <a:off x="1163586" y="149985"/>
+          <a:ext cx="1887071" cy="800575"/>
         </a:xfrm>
         <a:prstGeom prst="rect">
           <a:avLst/>
@@ -1735,7 +1931,7 @@
         </a:bodyPr>
         <a:lstStyle/>
         <a:p>
-          <a:pPr marL="0" lvl="0" indent="0" algn="l" defTabSz="622300">
+          <a:pPr marL="0" lvl="0" indent="0" algn="l" defTabSz="577850">
             <a:lnSpc>
               <a:spcPct val="90000"/>
             </a:lnSpc>
@@ -1748,25 +1944,25 @@
             <a:buNone/>
           </a:pPr>
           <a:r>
-            <a:rPr lang="en-US" sz="1400" b="0" i="0" kern="1200" dirty="0"/>
+            <a:rPr lang="en-US" sz="1300" b="0" i="0" kern="1200"/>
             <a:t>Extracting embeddings from the audio files using </a:t>
           </a:r>
           <a:r>
-            <a:rPr lang="en-US" sz="1400" b="0" i="0" kern="1200" dirty="0">
+            <a:rPr lang="en-US" sz="1300" b="0" i="0" kern="1200">
               <a:hlinkClick xmlns:r="http://schemas.openxmlformats.org/officeDocument/2006/relationships" r:id="rId3"/>
             </a:rPr>
             <a:t>OpenL3</a:t>
           </a:r>
           <a:r>
-            <a:rPr lang="en-US" sz="1400" b="0" i="0" kern="1200" dirty="0"/>
+            <a:rPr lang="en-US" sz="1300" b="0" i="0" kern="1200"/>
             <a:t>.</a:t>
           </a:r>
-          <a:endParaRPr lang="en-US" sz="1400" kern="1200" dirty="0"/>
+          <a:endParaRPr lang="en-US" sz="1300" kern="1200"/>
         </a:p>
       </dsp:txBody>
       <dsp:txXfrm>
-        <a:off x="2590365" y="52097"/>
-        <a:ext cx="2040895" cy="865834"/>
+        <a:off x="1163586" y="149985"/>
+        <a:ext cx="1887071" cy="800575"/>
       </dsp:txXfrm>
     </dsp:sp>
     <dsp:sp modelId="{5337C43D-84ED-45BA-9150-9CF293C708B2}">
@@ -1776,8 +1972,8 @@
       </dsp:nvSpPr>
       <dsp:spPr>
         <a:xfrm>
-          <a:off x="4986871" y="52097"/>
-          <a:ext cx="865834" cy="865834"/>
+          <a:off x="3379466" y="149985"/>
+          <a:ext cx="800575" cy="800575"/>
         </a:xfrm>
         <a:prstGeom prst="ellipse">
           <a:avLst/>
@@ -1816,8 +2012,8 @@
       </dsp:nvSpPr>
       <dsp:spPr>
         <a:xfrm>
-          <a:off x="5168697" y="233922"/>
-          <a:ext cx="502184" cy="502184"/>
+          <a:off x="3547587" y="318106"/>
+          <a:ext cx="464334" cy="464334"/>
         </a:xfrm>
         <a:prstGeom prst="rect">
           <a:avLst/>
@@ -1865,8 +2061,8 @@
       </dsp:nvSpPr>
       <dsp:spPr>
         <a:xfrm>
-          <a:off x="6038242" y="52097"/>
-          <a:ext cx="2040895" cy="865834"/>
+          <a:off x="4351594" y="149985"/>
+          <a:ext cx="1887071" cy="800575"/>
         </a:xfrm>
         <a:prstGeom prst="rect">
           <a:avLst/>
@@ -1895,7 +2091,7 @@
         </a:bodyPr>
         <a:lstStyle/>
         <a:p>
-          <a:pPr marL="0" lvl="0" indent="0" algn="l" defTabSz="622300">
+          <a:pPr marL="0" lvl="0" indent="0" algn="l" defTabSz="577850">
             <a:lnSpc>
               <a:spcPct val="90000"/>
             </a:lnSpc>
@@ -1908,15 +2104,163 @@
             <a:buNone/>
           </a:pPr>
           <a:r>
-            <a:rPr lang="en-US" sz="1400" b="0" i="0" kern="1200" dirty="0"/>
+            <a:rPr lang="en-US" sz="1300" b="0" i="0" kern="1200"/>
             <a:t>Train the fine-level model and produce predictions</a:t>
           </a:r>
-          <a:endParaRPr lang="en-US" sz="1400" kern="1200" dirty="0"/>
+          <a:endParaRPr lang="en-US" sz="1300" kern="1200"/>
         </a:p>
       </dsp:txBody>
       <dsp:txXfrm>
-        <a:off x="6038242" y="52097"/>
-        <a:ext cx="2040895" cy="865834"/>
+        <a:off x="4351594" y="149985"/>
+        <a:ext cx="1887071" cy="800575"/>
+      </dsp:txXfrm>
+    </dsp:sp>
+    <dsp:sp modelId="{F393503D-4018-484F-BAB0-F32E181D38BC}">
+      <dsp:nvSpPr>
+        <dsp:cNvPr id="0" name=""/>
+        <dsp:cNvSpPr/>
+      </dsp:nvSpPr>
+      <dsp:spPr>
+        <a:xfrm>
+          <a:off x="6567474" y="149985"/>
+          <a:ext cx="800575" cy="800575"/>
+        </a:xfrm>
+        <a:prstGeom prst="ellipse">
+          <a:avLst/>
+        </a:prstGeom>
+        <a:solidFill>
+          <a:schemeClr val="bg1">
+            <a:lumMod val="95000"/>
+            <a:hueOff val="0"/>
+            <a:satOff val="0"/>
+            <a:lumOff val="0"/>
+            <a:alphaOff val="0"/>
+          </a:schemeClr>
+        </a:solidFill>
+        <a:ln>
+          <a:noFill/>
+        </a:ln>
+        <a:effectLst/>
+      </dsp:spPr>
+      <dsp:style>
+        <a:lnRef idx="0">
+          <a:scrgbClr r="0" g="0" b="0"/>
+        </a:lnRef>
+        <a:fillRef idx="1">
+          <a:scrgbClr r="0" g="0" b="0"/>
+        </a:fillRef>
+        <a:effectRef idx="0">
+          <a:scrgbClr r="0" g="0" b="0"/>
+        </a:effectRef>
+        <a:fontRef idx="minor"/>
+      </dsp:style>
+    </dsp:sp>
+    <dsp:sp modelId="{46BB0E22-F250-4F30-8C3C-47EBC0825B12}">
+      <dsp:nvSpPr>
+        <dsp:cNvPr id="0" name=""/>
+        <dsp:cNvSpPr/>
+      </dsp:nvSpPr>
+      <dsp:spPr>
+        <a:xfrm>
+          <a:off x="6735595" y="318106"/>
+          <a:ext cx="464334" cy="464334"/>
+        </a:xfrm>
+        <a:prstGeom prst="rect">
+          <a:avLst/>
+        </a:prstGeom>
+        <a:blipFill>
+          <a:blip xmlns:r="http://schemas.openxmlformats.org/officeDocument/2006/relationships" r:embed="rId6">
+            <a:extLst>
+              <a:ext uri="{96DAC541-7B7A-43D3-8B79-37D633B846F1}">
+                <asvg:svgBlip xmlns:asvg="http://schemas.microsoft.com/office/drawing/2016/SVG/main" r:embed="rId7"/>
+              </a:ext>
+            </a:extLst>
+          </a:blip>
+          <a:srcRect/>
+          <a:stretch>
+            <a:fillRect/>
+          </a:stretch>
+        </a:blipFill>
+        <a:ln w="19050" cap="rnd" cmpd="sng" algn="ctr">
+          <a:noFill/>
+          <a:prstDash val="solid"/>
+        </a:ln>
+        <a:effectLst/>
+      </dsp:spPr>
+      <dsp:style>
+        <a:lnRef idx="2">
+          <a:scrgbClr r="0" g="0" b="0"/>
+        </a:lnRef>
+        <a:fillRef idx="1">
+          <a:scrgbClr r="0" g="0" b="0"/>
+        </a:fillRef>
+        <a:effectRef idx="0">
+          <a:scrgbClr r="0" g="0" b="0"/>
+        </a:effectRef>
+        <a:fontRef idx="minor">
+          <a:schemeClr val="lt1"/>
+        </a:fontRef>
+      </dsp:style>
+    </dsp:sp>
+    <dsp:sp modelId="{57F1022A-D156-4375-9614-B80B5ACB8DA4}">
+      <dsp:nvSpPr>
+        <dsp:cNvPr id="0" name=""/>
+        <dsp:cNvSpPr/>
+      </dsp:nvSpPr>
+      <dsp:spPr>
+        <a:xfrm>
+          <a:off x="7539602" y="149985"/>
+          <a:ext cx="1887071" cy="800575"/>
+        </a:xfrm>
+        <a:prstGeom prst="rect">
+          <a:avLst/>
+        </a:prstGeom>
+        <a:noFill/>
+        <a:ln>
+          <a:noFill/>
+        </a:ln>
+        <a:effectLst/>
+      </dsp:spPr>
+      <dsp:style>
+        <a:lnRef idx="0">
+          <a:scrgbClr r="0" g="0" b="0"/>
+        </a:lnRef>
+        <a:fillRef idx="0">
+          <a:scrgbClr r="0" g="0" b="0"/>
+        </a:fillRef>
+        <a:effectRef idx="0">
+          <a:scrgbClr r="0" g="0" b="0"/>
+        </a:effectRef>
+        <a:fontRef idx="minor"/>
+      </dsp:style>
+      <dsp:txBody>
+        <a:bodyPr spcFirstLastPara="0" vert="horz" wrap="square" lIns="0" tIns="0" rIns="0" bIns="0" numCol="1" spcCol="1270" anchor="ctr" anchorCtr="0">
+          <a:noAutofit/>
+        </a:bodyPr>
+        <a:lstStyle/>
+        <a:p>
+          <a:pPr marL="0" lvl="0" indent="0" algn="l" defTabSz="577850">
+            <a:lnSpc>
+              <a:spcPct val="90000"/>
+            </a:lnSpc>
+            <a:spcBef>
+              <a:spcPct val="0"/>
+            </a:spcBef>
+            <a:spcAft>
+              <a:spcPct val="35000"/>
+            </a:spcAft>
+            <a:buNone/>
+          </a:pPr>
+          <a:r>
+            <a:rPr lang="en-US" sz="1300" b="0" i="0" kern="1200"/>
+            <a:t>Train the coarse-level model and produce predictions</a:t>
+          </a:r>
+          <a:endParaRPr lang="en-US" sz="1300" kern="1200"/>
+        </a:p>
+      </dsp:txBody>
+      <dsp:txXfrm>
+        <a:off x="7539602" y="149985"/>
+        <a:ext cx="1887071" cy="800575"/>
       </dsp:txXfrm>
     </dsp:sp>
     <dsp:sp modelId="{E1329C41-78B8-4463-9E18-41CA6C411943}">
@@ -1926,8 +2270,8 @@
       </dsp:nvSpPr>
       <dsp:spPr>
         <a:xfrm>
-          <a:off x="1538994" y="1613823"/>
-          <a:ext cx="865834" cy="865834"/>
+          <a:off x="191458" y="1646453"/>
+          <a:ext cx="800575" cy="800575"/>
         </a:xfrm>
         <a:prstGeom prst="ellipse">
           <a:avLst/>
@@ -1966,158 +2310,8 @@
       </dsp:nvSpPr>
       <dsp:spPr>
         <a:xfrm>
-          <a:off x="1720819" y="1795648"/>
-          <a:ext cx="502184" cy="502184"/>
-        </a:xfrm>
-        <a:prstGeom prst="rect">
-          <a:avLst/>
-        </a:prstGeom>
-        <a:blipFill>
-          <a:blip xmlns:r="http://schemas.openxmlformats.org/officeDocument/2006/relationships" r:embed="rId6">
-            <a:extLst>
-              <a:ext uri="{28A0092B-C50C-407E-A947-70E740481C1C}">
-                <a14:useLocalDpi xmlns:a14="http://schemas.microsoft.com/office/drawing/2010/main" val="0"/>
-              </a:ext>
-              <a:ext uri="{96DAC541-7B7A-43D3-8B79-37D633B846F1}">
-                <asvg:svgBlip xmlns:asvg="http://schemas.microsoft.com/office/drawing/2016/SVG/main" r:embed="rId7"/>
-              </a:ext>
-            </a:extLst>
-          </a:blip>
-          <a:stretch>
-            <a:fillRect/>
-          </a:stretch>
-        </a:blipFill>
-        <a:ln w="19050" cap="rnd" cmpd="sng" algn="ctr">
-          <a:noFill/>
-          <a:prstDash val="solid"/>
-        </a:ln>
-        <a:effectLst/>
-      </dsp:spPr>
-      <dsp:style>
-        <a:lnRef idx="2">
-          <a:scrgbClr r="0" g="0" b="0"/>
-        </a:lnRef>
-        <a:fillRef idx="1">
-          <a:scrgbClr r="0" g="0" b="0"/>
-        </a:fillRef>
-        <a:effectRef idx="0">
-          <a:scrgbClr r="0" g="0" b="0"/>
-        </a:effectRef>
-        <a:fontRef idx="minor">
-          <a:schemeClr val="lt1"/>
-        </a:fontRef>
-      </dsp:style>
-    </dsp:sp>
-    <dsp:sp modelId="{0E584416-C31C-41AC-8BA4-48E487F858CA}">
-      <dsp:nvSpPr>
-        <dsp:cNvPr id="0" name=""/>
-        <dsp:cNvSpPr/>
-      </dsp:nvSpPr>
-      <dsp:spPr>
-        <a:xfrm>
-          <a:off x="2590365" y="1613823"/>
-          <a:ext cx="2040895" cy="865834"/>
-        </a:xfrm>
-        <a:prstGeom prst="rect">
-          <a:avLst/>
-        </a:prstGeom>
-        <a:noFill/>
-        <a:ln>
-          <a:noFill/>
-        </a:ln>
-        <a:effectLst/>
-      </dsp:spPr>
-      <dsp:style>
-        <a:lnRef idx="0">
-          <a:scrgbClr r="0" g="0" b="0"/>
-        </a:lnRef>
-        <a:fillRef idx="0">
-          <a:scrgbClr r="0" g="0" b="0"/>
-        </a:fillRef>
-        <a:effectRef idx="0">
-          <a:scrgbClr r="0" g="0" b="0"/>
-        </a:effectRef>
-        <a:fontRef idx="minor"/>
-      </dsp:style>
-      <dsp:txBody>
-        <a:bodyPr spcFirstLastPara="0" vert="horz" wrap="square" lIns="0" tIns="0" rIns="0" bIns="0" numCol="1" spcCol="1270" anchor="ctr" anchorCtr="0">
-          <a:noAutofit/>
-        </a:bodyPr>
-        <a:lstStyle/>
-        <a:p>
-          <a:pPr marL="0" lvl="0" indent="0" algn="l" defTabSz="622300">
-            <a:lnSpc>
-              <a:spcPct val="90000"/>
-            </a:lnSpc>
-            <a:spcBef>
-              <a:spcPct val="0"/>
-            </a:spcBef>
-            <a:spcAft>
-              <a:spcPct val="35000"/>
-            </a:spcAft>
-            <a:buNone/>
-          </a:pPr>
-          <a:r>
-            <a:rPr lang="en-US" sz="1400" b="0" i="0" kern="1200" dirty="0"/>
-            <a:t>Evaluate the fine-level model output file (using frame-averaged clip predictions) on AUPRC</a:t>
-          </a:r>
-          <a:endParaRPr lang="en-US" sz="1400" kern="1200" dirty="0"/>
-        </a:p>
-      </dsp:txBody>
-      <dsp:txXfrm>
-        <a:off x="2590365" y="1613823"/>
-        <a:ext cx="2040895" cy="865834"/>
-      </dsp:txXfrm>
-    </dsp:sp>
-    <dsp:sp modelId="{D4DC0D0D-D49E-45EA-A79C-AEBABEAE001D}">
-      <dsp:nvSpPr>
-        <dsp:cNvPr id="0" name=""/>
-        <dsp:cNvSpPr/>
-      </dsp:nvSpPr>
-      <dsp:spPr>
-        <a:xfrm>
-          <a:off x="4986871" y="1613823"/>
-          <a:ext cx="865834" cy="865834"/>
-        </a:xfrm>
-        <a:prstGeom prst="ellipse">
-          <a:avLst/>
-        </a:prstGeom>
-        <a:solidFill>
-          <a:schemeClr val="bg1">
-            <a:lumMod val="95000"/>
-            <a:hueOff val="0"/>
-            <a:satOff val="0"/>
-            <a:lumOff val="0"/>
-            <a:alphaOff val="0"/>
-          </a:schemeClr>
-        </a:solidFill>
-        <a:ln>
-          <a:noFill/>
-        </a:ln>
-        <a:effectLst/>
-      </dsp:spPr>
-      <dsp:style>
-        <a:lnRef idx="0">
-          <a:scrgbClr r="0" g="0" b="0"/>
-        </a:lnRef>
-        <a:fillRef idx="1">
-          <a:scrgbClr r="0" g="0" b="0"/>
-        </a:fillRef>
-        <a:effectRef idx="0">
-          <a:scrgbClr r="0" g="0" b="0"/>
-        </a:effectRef>
-        <a:fontRef idx="minor"/>
-      </dsp:style>
-    </dsp:sp>
-    <dsp:sp modelId="{14A3EC65-86D5-4775-BD21-9F5F03A49B4A}">
-      <dsp:nvSpPr>
-        <dsp:cNvPr id="0" name=""/>
-        <dsp:cNvSpPr/>
-      </dsp:nvSpPr>
-      <dsp:spPr>
-        <a:xfrm>
-          <a:off x="5168697" y="1795648"/>
-          <a:ext cx="502184" cy="502184"/>
+          <a:off x="359579" y="1814573"/>
+          <a:ext cx="464334" cy="464334"/>
         </a:xfrm>
         <a:prstGeom prst="rect">
           <a:avLst/>
@@ -2158,15 +2352,15 @@
         </a:fontRef>
       </dsp:style>
     </dsp:sp>
-    <dsp:sp modelId="{4FFA57A8-14BF-470A-9136-8E1F4E18FDF8}">
+    <dsp:sp modelId="{0E584416-C31C-41AC-8BA4-48E487F858CA}">
       <dsp:nvSpPr>
         <dsp:cNvPr id="0" name=""/>
         <dsp:cNvSpPr/>
       </dsp:nvSpPr>
       <dsp:spPr>
         <a:xfrm>
-          <a:off x="6038242" y="1613823"/>
-          <a:ext cx="2040895" cy="865834"/>
+          <a:off x="1163586" y="1646453"/>
+          <a:ext cx="1887071" cy="800575"/>
         </a:xfrm>
         <a:prstGeom prst="rect">
           <a:avLst/>
@@ -2195,7 +2389,7 @@
         </a:bodyPr>
         <a:lstStyle/>
         <a:p>
-          <a:pPr marL="0" lvl="0" indent="0" algn="l" defTabSz="622300">
+          <a:pPr marL="0" lvl="0" indent="0" algn="l" defTabSz="577850">
             <a:lnSpc>
               <a:spcPct val="90000"/>
             </a:lnSpc>
@@ -2208,15 +2402,15 @@
             <a:buNone/>
           </a:pPr>
           <a:r>
-            <a:rPr lang="en-US" sz="1400" b="0" i="0" kern="1200" dirty="0"/>
-            <a:t>Train the coarse-level model and produce predictions</a:t>
+            <a:rPr lang="en-US" sz="1300" b="0" i="0" kern="1200"/>
+            <a:t>Evaluate the fine-level model output file (using frame-averaged clip predictions) on AUPRC</a:t>
           </a:r>
-          <a:endParaRPr lang="en-US" sz="1400" kern="1200" dirty="0"/>
+          <a:endParaRPr lang="en-US" sz="1300" kern="1200"/>
         </a:p>
       </dsp:txBody>
       <dsp:txXfrm>
-        <a:off x="6038242" y="1613823"/>
-        <a:ext cx="2040895" cy="865834"/>
+        <a:off x="1163586" y="1646453"/>
+        <a:ext cx="1887071" cy="800575"/>
       </dsp:txXfrm>
     </dsp:sp>
     <dsp:sp modelId="{E366B05F-46A5-4AC6-A4EF-C5D801F116AB}">
@@ -2226,8 +2420,8 @@
       </dsp:nvSpPr>
       <dsp:spPr>
         <a:xfrm>
-          <a:off x="1538994" y="3175550"/>
-          <a:ext cx="865834" cy="865834"/>
+          <a:off x="3379466" y="1646453"/>
+          <a:ext cx="800575" cy="800575"/>
         </a:xfrm>
         <a:prstGeom prst="ellipse">
           <a:avLst/>
@@ -2266,8 +2460,8 @@
       </dsp:nvSpPr>
       <dsp:spPr>
         <a:xfrm>
-          <a:off x="1720819" y="3357375"/>
-          <a:ext cx="502184" cy="502184"/>
+          <a:off x="3547587" y="1814573"/>
+          <a:ext cx="464334" cy="464334"/>
         </a:xfrm>
         <a:prstGeom prst="rect">
           <a:avLst/>
@@ -2315,8 +2509,8 @@
       </dsp:nvSpPr>
       <dsp:spPr>
         <a:xfrm>
-          <a:off x="2590365" y="3175550"/>
-          <a:ext cx="2040895" cy="865834"/>
+          <a:off x="4351594" y="1646453"/>
+          <a:ext cx="1887071" cy="800575"/>
         </a:xfrm>
         <a:prstGeom prst="rect">
           <a:avLst/>
@@ -2345,7 +2539,7 @@
         </a:bodyPr>
         <a:lstStyle/>
         <a:p>
-          <a:pPr marL="0" lvl="0" indent="0" algn="l" defTabSz="622300">
+          <a:pPr marL="0" lvl="0" indent="0" algn="l" defTabSz="577850">
             <a:lnSpc>
               <a:spcPct val="90000"/>
             </a:lnSpc>
@@ -2358,15 +2552,315 @@
             <a:buNone/>
           </a:pPr>
           <a:r>
-            <a:rPr lang="en-US" sz="1400" b="0" i="0" kern="1200" dirty="0"/>
+            <a:rPr lang="en-US" sz="1300" b="0" i="0" kern="1200"/>
             <a:t>Evaluate the coarse-level model output file (using frame-averaged clip predictions) on AUPRC</a:t>
           </a:r>
-          <a:endParaRPr lang="en-US" sz="1400" kern="1200" dirty="0"/>
+          <a:endParaRPr lang="en-US" sz="1300" kern="1200"/>
         </a:p>
       </dsp:txBody>
       <dsp:txXfrm>
-        <a:off x="2590365" y="3175550"/>
-        <a:ext cx="2040895" cy="865834"/>
+        <a:off x="4351594" y="1646453"/>
+        <a:ext cx="1887071" cy="800575"/>
+      </dsp:txXfrm>
+    </dsp:sp>
+    <dsp:sp modelId="{76232A6D-A711-4F57-AD01-0AF2308F298E}">
+      <dsp:nvSpPr>
+        <dsp:cNvPr id="0" name=""/>
+        <dsp:cNvSpPr/>
+      </dsp:nvSpPr>
+      <dsp:spPr>
+        <a:xfrm>
+          <a:off x="6567474" y="1646453"/>
+          <a:ext cx="800575" cy="800575"/>
+        </a:xfrm>
+        <a:prstGeom prst="ellipse">
+          <a:avLst/>
+        </a:prstGeom>
+        <a:solidFill>
+          <a:schemeClr val="bg1">
+            <a:lumMod val="95000"/>
+            <a:hueOff val="0"/>
+            <a:satOff val="0"/>
+            <a:lumOff val="0"/>
+            <a:alphaOff val="0"/>
+          </a:schemeClr>
+        </a:solidFill>
+        <a:ln>
+          <a:noFill/>
+        </a:ln>
+        <a:effectLst/>
+      </dsp:spPr>
+      <dsp:style>
+        <a:lnRef idx="0">
+          <a:scrgbClr r="0" g="0" b="0"/>
+        </a:lnRef>
+        <a:fillRef idx="1">
+          <a:scrgbClr r="0" g="0" b="0"/>
+        </a:fillRef>
+        <a:effectRef idx="0">
+          <a:scrgbClr r="0" g="0" b="0"/>
+        </a:effectRef>
+        <a:fontRef idx="minor"/>
+      </dsp:style>
+    </dsp:sp>
+    <dsp:sp modelId="{D007B3BF-7B19-4551-8075-626CD629B805}">
+      <dsp:nvSpPr>
+        <dsp:cNvPr id="0" name=""/>
+        <dsp:cNvSpPr/>
+      </dsp:nvSpPr>
+      <dsp:spPr>
+        <a:xfrm>
+          <a:off x="6735595" y="1814573"/>
+          <a:ext cx="464334" cy="464334"/>
+        </a:xfrm>
+        <a:prstGeom prst="rect">
+          <a:avLst/>
+        </a:prstGeom>
+        <a:blipFill>
+          <a:blip xmlns:r="http://schemas.openxmlformats.org/officeDocument/2006/relationships" r:embed="rId12">
+            <a:extLst>
+              <a:ext uri="{28A0092B-C50C-407E-A947-70E740481C1C}">
+                <a14:useLocalDpi xmlns:a14="http://schemas.microsoft.com/office/drawing/2010/main" val="0"/>
+              </a:ext>
+              <a:ext uri="{96DAC541-7B7A-43D3-8B79-37D633B846F1}">
+                <asvg:svgBlip xmlns:asvg="http://schemas.microsoft.com/office/drawing/2016/SVG/main" r:embed="rId13"/>
+              </a:ext>
+            </a:extLst>
+          </a:blip>
+          <a:srcRect/>
+          <a:stretch>
+            <a:fillRect/>
+          </a:stretch>
+        </a:blipFill>
+        <a:ln w="19050" cap="rnd" cmpd="sng" algn="ctr">
+          <a:noFill/>
+          <a:prstDash val="solid"/>
+        </a:ln>
+        <a:effectLst/>
+      </dsp:spPr>
+      <dsp:style>
+        <a:lnRef idx="2">
+          <a:scrgbClr r="0" g="0" b="0"/>
+        </a:lnRef>
+        <a:fillRef idx="1">
+          <a:scrgbClr r="0" g="0" b="0"/>
+        </a:fillRef>
+        <a:effectRef idx="0">
+          <a:scrgbClr r="0" g="0" b="0"/>
+        </a:effectRef>
+        <a:fontRef idx="minor">
+          <a:schemeClr val="lt1"/>
+        </a:fontRef>
+      </dsp:style>
+    </dsp:sp>
+    <dsp:sp modelId="{FB66B53C-294D-440A-AD09-23641C11ED84}">
+      <dsp:nvSpPr>
+        <dsp:cNvPr id="0" name=""/>
+        <dsp:cNvSpPr/>
+      </dsp:nvSpPr>
+      <dsp:spPr>
+        <a:xfrm>
+          <a:off x="7539602" y="1646453"/>
+          <a:ext cx="1887071" cy="800575"/>
+        </a:xfrm>
+        <a:prstGeom prst="rect">
+          <a:avLst/>
+        </a:prstGeom>
+        <a:noFill/>
+        <a:ln>
+          <a:noFill/>
+        </a:ln>
+        <a:effectLst/>
+      </dsp:spPr>
+      <dsp:style>
+        <a:lnRef idx="0">
+          <a:scrgbClr r="0" g="0" b="0"/>
+        </a:lnRef>
+        <a:fillRef idx="0">
+          <a:scrgbClr r="0" g="0" b="0"/>
+        </a:fillRef>
+        <a:effectRef idx="0">
+          <a:scrgbClr r="0" g="0" b="0"/>
+        </a:effectRef>
+        <a:fontRef idx="minor"/>
+      </dsp:style>
+      <dsp:txBody>
+        <a:bodyPr spcFirstLastPara="0" vert="horz" wrap="square" lIns="0" tIns="0" rIns="0" bIns="0" numCol="1" spcCol="1270" anchor="ctr" anchorCtr="0">
+          <a:noAutofit/>
+        </a:bodyPr>
+        <a:lstStyle/>
+        <a:p>
+          <a:pPr marL="0" lvl="0" indent="0" algn="l" defTabSz="577850">
+            <a:lnSpc>
+              <a:spcPct val="90000"/>
+            </a:lnSpc>
+            <a:spcBef>
+              <a:spcPct val="0"/>
+            </a:spcBef>
+            <a:spcAft>
+              <a:spcPct val="35000"/>
+            </a:spcAft>
+            <a:buNone/>
+          </a:pPr>
+          <a:r>
+            <a:rPr lang="en-US" sz="1300" kern="1200" dirty="0"/>
+            <a:t>Analysis of mismatches between the predicted and truth values</a:t>
+          </a:r>
+        </a:p>
+      </dsp:txBody>
+      <dsp:txXfrm>
+        <a:off x="7539602" y="1646453"/>
+        <a:ext cx="1887071" cy="800575"/>
+      </dsp:txXfrm>
+    </dsp:sp>
+    <dsp:sp modelId="{9DD53166-C5EF-4A06-83D0-6773F3EF181D}">
+      <dsp:nvSpPr>
+        <dsp:cNvPr id="0" name=""/>
+        <dsp:cNvSpPr/>
+      </dsp:nvSpPr>
+      <dsp:spPr>
+        <a:xfrm>
+          <a:off x="191458" y="3142920"/>
+          <a:ext cx="800575" cy="800575"/>
+        </a:xfrm>
+        <a:prstGeom prst="ellipse">
+          <a:avLst/>
+        </a:prstGeom>
+        <a:solidFill>
+          <a:schemeClr val="bg1">
+            <a:lumMod val="95000"/>
+            <a:hueOff val="0"/>
+            <a:satOff val="0"/>
+            <a:lumOff val="0"/>
+            <a:alphaOff val="0"/>
+          </a:schemeClr>
+        </a:solidFill>
+        <a:ln>
+          <a:noFill/>
+        </a:ln>
+        <a:effectLst/>
+      </dsp:spPr>
+      <dsp:style>
+        <a:lnRef idx="0">
+          <a:scrgbClr r="0" g="0" b="0"/>
+        </a:lnRef>
+        <a:fillRef idx="1">
+          <a:scrgbClr r="0" g="0" b="0"/>
+        </a:fillRef>
+        <a:effectRef idx="0">
+          <a:scrgbClr r="0" g="0" b="0"/>
+        </a:effectRef>
+        <a:fontRef idx="minor"/>
+      </dsp:style>
+    </dsp:sp>
+    <dsp:sp modelId="{A5356A8C-4221-47A8-8B02-31178063CCF1}">
+      <dsp:nvSpPr>
+        <dsp:cNvPr id="0" name=""/>
+        <dsp:cNvSpPr/>
+      </dsp:nvSpPr>
+      <dsp:spPr>
+        <a:xfrm>
+          <a:off x="359579" y="3311041"/>
+          <a:ext cx="464334" cy="464334"/>
+        </a:xfrm>
+        <a:prstGeom prst="rect">
+          <a:avLst/>
+        </a:prstGeom>
+        <a:blipFill>
+          <a:blip xmlns:r="http://schemas.openxmlformats.org/officeDocument/2006/relationships" r:embed="rId14">
+            <a:extLst>
+              <a:ext uri="{28A0092B-C50C-407E-A947-70E740481C1C}">
+                <a14:useLocalDpi xmlns:a14="http://schemas.microsoft.com/office/drawing/2010/main" val="0"/>
+              </a:ext>
+              <a:ext uri="{96DAC541-7B7A-43D3-8B79-37D633B846F1}">
+                <asvg:svgBlip xmlns:asvg="http://schemas.microsoft.com/office/drawing/2016/SVG/main" r:embed="rId15"/>
+              </a:ext>
+            </a:extLst>
+          </a:blip>
+          <a:srcRect/>
+          <a:stretch>
+            <a:fillRect/>
+          </a:stretch>
+        </a:blipFill>
+        <a:ln w="19050" cap="rnd" cmpd="sng" algn="ctr">
+          <a:noFill/>
+          <a:prstDash val="solid"/>
+        </a:ln>
+        <a:effectLst/>
+      </dsp:spPr>
+      <dsp:style>
+        <a:lnRef idx="2">
+          <a:scrgbClr r="0" g="0" b="0"/>
+        </a:lnRef>
+        <a:fillRef idx="1">
+          <a:scrgbClr r="0" g="0" b="0"/>
+        </a:fillRef>
+        <a:effectRef idx="0">
+          <a:scrgbClr r="0" g="0" b="0"/>
+        </a:effectRef>
+        <a:fontRef idx="minor">
+          <a:schemeClr val="lt1"/>
+        </a:fontRef>
+      </dsp:style>
+    </dsp:sp>
+    <dsp:sp modelId="{7357C1B3-BA01-4F37-A986-504CAEFDD350}">
+      <dsp:nvSpPr>
+        <dsp:cNvPr id="0" name=""/>
+        <dsp:cNvSpPr/>
+      </dsp:nvSpPr>
+      <dsp:spPr>
+        <a:xfrm>
+          <a:off x="1163586" y="3142920"/>
+          <a:ext cx="1887071" cy="800575"/>
+        </a:xfrm>
+        <a:prstGeom prst="rect">
+          <a:avLst/>
+        </a:prstGeom>
+        <a:noFill/>
+        <a:ln>
+          <a:noFill/>
+        </a:ln>
+        <a:effectLst/>
+      </dsp:spPr>
+      <dsp:style>
+        <a:lnRef idx="0">
+          <a:scrgbClr r="0" g="0" b="0"/>
+        </a:lnRef>
+        <a:fillRef idx="0">
+          <a:scrgbClr r="0" g="0" b="0"/>
+        </a:fillRef>
+        <a:effectRef idx="0">
+          <a:scrgbClr r="0" g="0" b="0"/>
+        </a:effectRef>
+        <a:fontRef idx="minor"/>
+      </dsp:style>
+      <dsp:txBody>
+        <a:bodyPr spcFirstLastPara="0" vert="horz" wrap="square" lIns="0" tIns="0" rIns="0" bIns="0" numCol="1" spcCol="1270" anchor="ctr" anchorCtr="0">
+          <a:noAutofit/>
+        </a:bodyPr>
+        <a:lstStyle/>
+        <a:p>
+          <a:pPr marL="0" lvl="0" indent="0" algn="l" defTabSz="577850">
+            <a:lnSpc>
+              <a:spcPct val="90000"/>
+            </a:lnSpc>
+            <a:spcBef>
+              <a:spcPct val="0"/>
+            </a:spcBef>
+            <a:spcAft>
+              <a:spcPct val="35000"/>
+            </a:spcAft>
+            <a:buNone/>
+          </a:pPr>
+          <a:r>
+            <a:rPr lang="en-US" sz="1300" kern="1200"/>
+            <a:t>Build a system to visualize the results </a:t>
+          </a:r>
+        </a:p>
+      </dsp:txBody>
+      <dsp:txXfrm>
+        <a:off x="1163586" y="3142920"/>
+        <a:ext cx="1887071" cy="800575"/>
       </dsp:txXfrm>
     </dsp:sp>
   </dsp:spTree>
@@ -4341,7 +4835,7 @@
           <a:p>
             <a:fld id="{89F9738C-D319-4CF2-B050-93E571171EEC}" type="datetimeFigureOut">
               <a:rPr lang="en-US" smtClean="0"/>
-              <a:t>11/7/2021</a:t>
+              <a:t>11/27/2021</a:t>
             </a:fld>
             <a:endParaRPr lang="en-US"/>
           </a:p>
@@ -4592,7 +5086,7 @@
           <a:p>
             <a:fld id="{89F9738C-D319-4CF2-B050-93E571171EEC}" type="datetimeFigureOut">
               <a:rPr lang="en-US" smtClean="0"/>
-              <a:t>11/7/2021</a:t>
+              <a:t>11/27/2021</a:t>
             </a:fld>
             <a:endParaRPr lang="en-US"/>
           </a:p>
@@ -4906,7 +5400,7 @@
           <a:p>
             <a:fld id="{89F9738C-D319-4CF2-B050-93E571171EEC}" type="datetimeFigureOut">
               <a:rPr lang="en-US" smtClean="0"/>
-              <a:t>11/7/2021</a:t>
+              <a:t>11/27/2021</a:t>
             </a:fld>
             <a:endParaRPr lang="en-US"/>
           </a:p>
@@ -5247,7 +5741,7 @@
           <a:p>
             <a:fld id="{89F9738C-D319-4CF2-B050-93E571171EEC}" type="datetimeFigureOut">
               <a:rPr lang="en-US" smtClean="0"/>
-              <a:t>11/7/2021</a:t>
+              <a:t>11/27/2021</a:t>
             </a:fld>
             <a:endParaRPr lang="en-US"/>
           </a:p>
@@ -5561,7 +6055,7 @@
           <a:p>
             <a:fld id="{89F9738C-D319-4CF2-B050-93E571171EEC}" type="datetimeFigureOut">
               <a:rPr lang="en-US" smtClean="0"/>
-              <a:t>11/7/2021</a:t>
+              <a:t>11/27/2021</a:t>
             </a:fld>
             <a:endParaRPr lang="en-US"/>
           </a:p>
@@ -5954,7 +6448,7 @@
           <a:p>
             <a:fld id="{89F9738C-D319-4CF2-B050-93E571171EEC}" type="datetimeFigureOut">
               <a:rPr lang="en-US" smtClean="0"/>
-              <a:t>11/7/2021</a:t>
+              <a:t>11/27/2021</a:t>
             </a:fld>
             <a:endParaRPr lang="en-US"/>
           </a:p>
@@ -6124,7 +6618,7 @@
           <a:p>
             <a:fld id="{89F9738C-D319-4CF2-B050-93E571171EEC}" type="datetimeFigureOut">
               <a:rPr lang="en-US" smtClean="0"/>
-              <a:t>11/7/2021</a:t>
+              <a:t>11/27/2021</a:t>
             </a:fld>
             <a:endParaRPr lang="en-US"/>
           </a:p>
@@ -6304,7 +6798,7 @@
           <a:p>
             <a:fld id="{89F9738C-D319-4CF2-B050-93E571171EEC}" type="datetimeFigureOut">
               <a:rPr lang="en-US" smtClean="0"/>
-              <a:t>11/7/2021</a:t>
+              <a:t>11/27/2021</a:t>
             </a:fld>
             <a:endParaRPr lang="en-US"/>
           </a:p>
@@ -6480,7 +6974,7 @@
           <a:p>
             <a:fld id="{89F9738C-D319-4CF2-B050-93E571171EEC}" type="datetimeFigureOut">
               <a:rPr lang="en-US" smtClean="0"/>
-              <a:t>11/7/2021</a:t>
+              <a:t>11/27/2021</a:t>
             </a:fld>
             <a:endParaRPr lang="en-US"/>
           </a:p>
@@ -6727,7 +7221,7 @@
           <a:p>
             <a:fld id="{89F9738C-D319-4CF2-B050-93E571171EEC}" type="datetimeFigureOut">
               <a:rPr lang="en-US" smtClean="0"/>
-              <a:t>11/7/2021</a:t>
+              <a:t>11/27/2021</a:t>
             </a:fld>
             <a:endParaRPr lang="en-US"/>
           </a:p>
@@ -6959,7 +7453,7 @@
           <a:p>
             <a:fld id="{89F9738C-D319-4CF2-B050-93E571171EEC}" type="datetimeFigureOut">
               <a:rPr lang="en-US" smtClean="0"/>
-              <a:t>11/7/2021</a:t>
+              <a:t>11/27/2021</a:t>
             </a:fld>
             <a:endParaRPr lang="en-US"/>
           </a:p>
@@ -7333,7 +7827,7 @@
           <a:p>
             <a:fld id="{89F9738C-D319-4CF2-B050-93E571171EEC}" type="datetimeFigureOut">
               <a:rPr lang="en-US" smtClean="0"/>
-              <a:t>11/7/2021</a:t>
+              <a:t>11/27/2021</a:t>
             </a:fld>
             <a:endParaRPr lang="en-US"/>
           </a:p>
@@ -7456,7 +7950,7 @@
           <a:p>
             <a:fld id="{89F9738C-D319-4CF2-B050-93E571171EEC}" type="datetimeFigureOut">
               <a:rPr lang="en-US" smtClean="0"/>
-              <a:t>11/7/2021</a:t>
+              <a:t>11/27/2021</a:t>
             </a:fld>
             <a:endParaRPr lang="en-US"/>
           </a:p>
@@ -7551,7 +8045,7 @@
           <a:p>
             <a:fld id="{89F9738C-D319-4CF2-B050-93E571171EEC}" type="datetimeFigureOut">
               <a:rPr lang="en-US" smtClean="0"/>
-              <a:t>11/7/2021</a:t>
+              <a:t>11/27/2021</a:t>
             </a:fld>
             <a:endParaRPr lang="en-US"/>
           </a:p>
@@ -7806,7 +8300,7 @@
           <a:p>
             <a:fld id="{89F9738C-D319-4CF2-B050-93E571171EEC}" type="datetimeFigureOut">
               <a:rPr lang="en-US" smtClean="0"/>
-              <a:t>11/7/2021</a:t>
+              <a:t>11/27/2021</a:t>
             </a:fld>
             <a:endParaRPr lang="en-US"/>
           </a:p>
@@ -8069,7 +8563,7 @@
           <a:p>
             <a:fld id="{89F9738C-D319-4CF2-B050-93E571171EEC}" type="datetimeFigureOut">
               <a:rPr lang="en-US" smtClean="0"/>
-              <a:t>11/7/2021</a:t>
+              <a:t>11/27/2021</a:t>
             </a:fld>
             <a:endParaRPr lang="en-US"/>
           </a:p>
@@ -8812,7 +9306,7 @@
           <a:p>
             <a:fld id="{89F9738C-D319-4CF2-B050-93E571171EEC}" type="datetimeFigureOut">
               <a:rPr lang="en-US" smtClean="0"/>
-              <a:t>11/7/2021</a:t>
+              <a:t>11/27/2021</a:t>
             </a:fld>
             <a:endParaRPr lang="en-US"/>
           </a:p>
@@ -10824,7 +11318,7 @@
       </p:grpSpPr>
       <p:sp useBgFill="1">
         <p:nvSpPr>
-          <p:cNvPr id="9" name="Rectangle 8">
+          <p:cNvPr id="75" name="Rectangle 59">
             <a:extLst>
               <a:ext uri="{FF2B5EF4-FFF2-40B4-BE49-F238E27FC236}">
                 <a16:creationId xmlns:a16="http://schemas.microsoft.com/office/drawing/2014/main" id="{9F4444CE-BC8D-4D61-B303-4C05614E62AB}"/>
@@ -10911,15 +11405,16 @@
           <a:lstStyle/>
           <a:p>
             <a:r>
-              <a:rPr lang="en-US" dirty="0"/>
+              <a:rPr lang="en-US"/>
               <a:t>Implementation:</a:t>
             </a:r>
+            <a:endParaRPr lang="en-US" dirty="0"/>
           </a:p>
         </p:txBody>
       </p:sp>
       <p:sp>
         <p:nvSpPr>
-          <p:cNvPr id="11" name="Isosceles Triangle 10">
+          <p:cNvPr id="76" name="Isosceles Triangle 61">
             <a:extLst>
               <a:ext uri="{FF2B5EF4-FFF2-40B4-BE49-F238E27FC236}">
                 <a16:creationId xmlns:a16="http://schemas.microsoft.com/office/drawing/2014/main" id="{73772B81-181F-48B7-8826-4D9686D15DF5}"/>
@@ -10977,7 +11472,7 @@
       </p:sp>
       <p:sp>
         <p:nvSpPr>
-          <p:cNvPr id="13" name="Isosceles Triangle 12">
+          <p:cNvPr id="64" name="Isosceles Triangle 63">
             <a:extLst>
               <a:ext uri="{FF2B5EF4-FFF2-40B4-BE49-F238E27FC236}">
                 <a16:creationId xmlns:a16="http://schemas.microsoft.com/office/drawing/2014/main" id="{B2205F6E-03C6-4E92-877C-E2482F6599AA}"/>
@@ -11049,7 +11544,7 @@
             <p:ph idx="1"/>
             <p:extLst>
               <p:ext uri="{D42A27DB-BD31-4B8C-83A1-F6EECF244321}">
-                <p14:modId xmlns:p14="http://schemas.microsoft.com/office/powerpoint/2010/main" val="675430794"/>
+                <p14:modId xmlns:p14="http://schemas.microsoft.com/office/powerpoint/2010/main" val="593306547"/>
               </p:ext>
             </p:extLst>
           </p:nvPr>
@@ -11655,9 +12150,12 @@
 </file>
 
 <file path=customXml/item1.xml><?xml version="1.0" encoding="utf-8"?>
-<p:properties xmlns:p="http://schemas.microsoft.com/office/2006/metadata/properties" xmlns:xsi="http://www.w3.org/2001/XMLSchema-instance" xmlns:pc="http://schemas.microsoft.com/office/infopath/2007/PartnerControls">
-  <documentManagement/>
-</p:properties>
+<?mso-contentType ?>
+<FormTemplates xmlns="http://schemas.microsoft.com/sharepoint/v3/contenttype/forms">
+  <Display>DocumentLibraryForm</Display>
+  <Edit>DocumentLibraryForm</Edit>
+  <New>DocumentLibraryForm</New>
+</FormTemplates>
 </file>
 
 <file path=customXml/item2.xml><?xml version="1.0" encoding="utf-8"?>
@@ -11775,25 +12273,15 @@
 </file>
 
 <file path=customXml/item3.xml><?xml version="1.0" encoding="utf-8"?>
-<?mso-contentType ?>
-<FormTemplates xmlns="http://schemas.microsoft.com/sharepoint/v3/contenttype/forms">
-  <Display>DocumentLibraryForm</Display>
-  <Edit>DocumentLibraryForm</Edit>
-  <New>DocumentLibraryForm</New>
-</FormTemplates>
+<p:properties xmlns:p="http://schemas.microsoft.com/office/2006/metadata/properties" xmlns:xsi="http://www.w3.org/2001/XMLSchema-instance" xmlns:pc="http://schemas.microsoft.com/office/infopath/2007/PartnerControls">
+  <documentManagement/>
+</p:properties>
 </file>
 
 <file path=customXml/itemProps1.xml><?xml version="1.0" encoding="utf-8"?>
-<ds:datastoreItem xmlns:ds="http://schemas.openxmlformats.org/officeDocument/2006/customXml" ds:itemID="{07A3CD8B-0C06-468A-8B75-0437C5798BE5}">
+<ds:datastoreItem xmlns:ds="http://schemas.openxmlformats.org/officeDocument/2006/customXml" ds:itemID="{A2421B49-795B-43F7-A745-427E013F573F}">
   <ds:schemaRefs>
-    <ds:schemaRef ds:uri="http://purl.org/dc/dcmitype/"/>
-    <ds:schemaRef ds:uri="http://www.w3.org/XML/1998/namespace"/>
-    <ds:schemaRef ds:uri="http://purl.org/dc/elements/1.1/"/>
-    <ds:schemaRef ds:uri="http://schemas.microsoft.com/office/2006/documentManagement/types"/>
-    <ds:schemaRef ds:uri="http://purl.org/dc/terms/"/>
-    <ds:schemaRef ds:uri="http://schemas.microsoft.com/office/2006/metadata/properties"/>
-    <ds:schemaRef ds:uri="http://schemas.microsoft.com/office/infopath/2007/PartnerControls"/>
-    <ds:schemaRef ds:uri="http://schemas.openxmlformats.org/package/2006/metadata/core-properties"/>
+    <ds:schemaRef ds:uri="http://schemas.microsoft.com/sharepoint/v3/contenttype/forms"/>
   </ds:schemaRefs>
 </ds:datastoreItem>
 </file>
@@ -11815,9 +12303,16 @@
 </file>
 
 <file path=customXml/itemProps3.xml><?xml version="1.0" encoding="utf-8"?>
-<ds:datastoreItem xmlns:ds="http://schemas.openxmlformats.org/officeDocument/2006/customXml" ds:itemID="{A2421B49-795B-43F7-A745-427E013F573F}">
+<ds:datastoreItem xmlns:ds="http://schemas.openxmlformats.org/officeDocument/2006/customXml" ds:itemID="{07A3CD8B-0C06-468A-8B75-0437C5798BE5}">
   <ds:schemaRefs>
-    <ds:schemaRef ds:uri="http://schemas.microsoft.com/sharepoint/v3/contenttype/forms"/>
+    <ds:schemaRef ds:uri="http://purl.org/dc/dcmitype/"/>
+    <ds:schemaRef ds:uri="http://www.w3.org/XML/1998/namespace"/>
+    <ds:schemaRef ds:uri="http://purl.org/dc/elements/1.1/"/>
+    <ds:schemaRef ds:uri="http://schemas.microsoft.com/office/2006/documentManagement/types"/>
+    <ds:schemaRef ds:uri="http://purl.org/dc/terms/"/>
+    <ds:schemaRef ds:uri="http://schemas.microsoft.com/office/2006/metadata/properties"/>
+    <ds:schemaRef ds:uri="http://schemas.microsoft.com/office/infopath/2007/PartnerControls"/>
+    <ds:schemaRef ds:uri="http://schemas.openxmlformats.org/package/2006/metadata/core-properties"/>
   </ds:schemaRefs>
 </ds:datastoreItem>
 </file>